--- a/make_presentation/templates/templates/classic/_32.pptx
+++ b/make_presentation/templates/templates/classic/_32.pptx
@@ -323,7 +323,7 @@
             <a:pPr algn="r">
               <a:buNone/>
             </a:pPr>
-            <a:fld id="{C4E394AB-34FB-45DF-A5CF-FC9FD6691F62}" type="slidenum">
+            <a:fld id="{0000574A-0C7D-4238-BA77-B95151DD85F7}" type="slidenum">
               <a:rPr b="0" lang="en-US" sz="1400" spc="-1" strike="noStrike">
                 <a:latin typeface="Times New Roman"/>
               </a:rPr>
@@ -371,7 +371,7 @@
         <p:spPr>
           <a:xfrm>
             <a:off x="380880" y="685800"/>
-            <a:ext cx="6091560" cy="3424680"/>
+            <a:ext cx="6091200" cy="3424320"/>
           </a:xfrm>
           <a:prstGeom prst="rect">
             <a:avLst/>
@@ -394,7 +394,7 @@
         <p:spPr>
           <a:xfrm>
             <a:off x="685800" y="4343400"/>
-            <a:ext cx="5482080" cy="4110480"/>
+            <a:ext cx="5481720" cy="4110120"/>
           </a:xfrm>
           <a:prstGeom prst="rect">
             <a:avLst/>
@@ -428,7 +428,7 @@
         <p:spPr>
           <a:xfrm>
             <a:off x="3884760" y="8685360"/>
-            <a:ext cx="2967480" cy="452880"/>
+            <a:ext cx="2967120" cy="452520"/>
           </a:xfrm>
           <a:prstGeom prst="rect">
             <a:avLst/>
@@ -464,7 +464,7 @@
               </a:lnSpc>
               <a:buNone/>
             </a:pPr>
-            <a:fld id="{665EA9EF-4B93-4C85-8EAB-8DA532793A56}" type="slidenum">
+            <a:fld id="{ABE0ED4F-DA25-4010-B29F-6F0EF9BA5A95}" type="slidenum">
               <a:rPr b="0" lang="en-US" sz="1200" spc="-1" strike="noStrike">
                 <a:solidFill>
                   <a:srgbClr val="000000"/>
@@ -515,7 +515,7 @@
         <p:spPr>
           <a:xfrm>
             <a:off x="380880" y="685800"/>
-            <a:ext cx="6091560" cy="3424680"/>
+            <a:ext cx="6091200" cy="3424320"/>
           </a:xfrm>
           <a:prstGeom prst="rect">
             <a:avLst/>
@@ -538,7 +538,7 @@
         <p:spPr>
           <a:xfrm>
             <a:off x="685800" y="4343400"/>
-            <a:ext cx="5482080" cy="4110480"/>
+            <a:ext cx="5481720" cy="4110120"/>
           </a:xfrm>
           <a:prstGeom prst="rect">
             <a:avLst/>
@@ -572,7 +572,7 @@
         <p:spPr>
           <a:xfrm>
             <a:off x="3884760" y="8685360"/>
-            <a:ext cx="2967480" cy="452880"/>
+            <a:ext cx="2967120" cy="452520"/>
           </a:xfrm>
           <a:prstGeom prst="rect">
             <a:avLst/>
@@ -608,7 +608,7 @@
               </a:lnSpc>
               <a:buNone/>
             </a:pPr>
-            <a:fld id="{04EDB11E-B6B8-4A01-8B54-A9FF58C67DEF}" type="slidenum">
+            <a:fld id="{E72D3DC2-DCB7-4F44-89A4-4A877232677B}" type="slidenum">
               <a:rPr b="0" lang="en-US" sz="1200" spc="-1" strike="noStrike">
                 <a:solidFill>
                   <a:srgbClr val="000000"/>
@@ -659,7 +659,7 @@
         <p:spPr>
           <a:xfrm>
             <a:off x="380880" y="685800"/>
-            <a:ext cx="6091560" cy="3424680"/>
+            <a:ext cx="6091200" cy="3424320"/>
           </a:xfrm>
           <a:prstGeom prst="rect">
             <a:avLst/>
@@ -682,7 +682,7 @@
         <p:spPr>
           <a:xfrm>
             <a:off x="685800" y="4343400"/>
-            <a:ext cx="5482080" cy="4110480"/>
+            <a:ext cx="5481720" cy="4110120"/>
           </a:xfrm>
           <a:prstGeom prst="rect">
             <a:avLst/>
@@ -716,7 +716,7 @@
         <p:spPr>
           <a:xfrm>
             <a:off x="3884760" y="8685360"/>
-            <a:ext cx="2967480" cy="452880"/>
+            <a:ext cx="2967120" cy="452520"/>
           </a:xfrm>
           <a:prstGeom prst="rect">
             <a:avLst/>
@@ -752,7 +752,7 @@
               </a:lnSpc>
               <a:buNone/>
             </a:pPr>
-            <a:fld id="{04789F8C-C026-4FE5-9979-2014983A1529}" type="slidenum">
+            <a:fld id="{F6679F02-37C6-4DAA-A5D7-8AEE766AB7B8}" type="slidenum">
               <a:rPr b="0" lang="en-US" sz="1200" spc="-1" strike="noStrike">
                 <a:solidFill>
                   <a:srgbClr val="000000"/>
@@ -803,7 +803,7 @@
         <p:spPr>
           <a:xfrm>
             <a:off x="380880" y="685800"/>
-            <a:ext cx="6091560" cy="3424680"/>
+            <a:ext cx="6091200" cy="3424320"/>
           </a:xfrm>
           <a:prstGeom prst="rect">
             <a:avLst/>
@@ -826,7 +826,7 @@
         <p:spPr>
           <a:xfrm>
             <a:off x="685800" y="4343400"/>
-            <a:ext cx="5482080" cy="4110480"/>
+            <a:ext cx="5481720" cy="4110120"/>
           </a:xfrm>
           <a:prstGeom prst="rect">
             <a:avLst/>
@@ -860,7 +860,7 @@
         <p:spPr>
           <a:xfrm>
             <a:off x="3884760" y="8685360"/>
-            <a:ext cx="2967480" cy="452880"/>
+            <a:ext cx="2967120" cy="452520"/>
           </a:xfrm>
           <a:prstGeom prst="rect">
             <a:avLst/>
@@ -896,7 +896,7 @@
               </a:lnSpc>
               <a:buNone/>
             </a:pPr>
-            <a:fld id="{B97DDFF5-4C96-4EEB-BF26-70C22EB39B77}" type="slidenum">
+            <a:fld id="{3769398B-A755-44B4-B254-AFC7F58378CF}" type="slidenum">
               <a:rPr b="0" lang="en-US" sz="1200" spc="-1" strike="noStrike">
                 <a:solidFill>
                   <a:srgbClr val="000000"/>
@@ -947,7 +947,7 @@
         <p:spPr>
           <a:xfrm>
             <a:off x="380880" y="685800"/>
-            <a:ext cx="6091560" cy="3424680"/>
+            <a:ext cx="6091200" cy="3424320"/>
           </a:xfrm>
           <a:prstGeom prst="rect">
             <a:avLst/>
@@ -970,7 +970,7 @@
         <p:spPr>
           <a:xfrm>
             <a:off x="685800" y="4343400"/>
-            <a:ext cx="5482080" cy="4110480"/>
+            <a:ext cx="5481720" cy="4110120"/>
           </a:xfrm>
           <a:prstGeom prst="rect">
             <a:avLst/>
@@ -1004,7 +1004,7 @@
         <p:spPr>
           <a:xfrm>
             <a:off x="3884760" y="8685360"/>
-            <a:ext cx="2967480" cy="452880"/>
+            <a:ext cx="2967120" cy="452520"/>
           </a:xfrm>
           <a:prstGeom prst="rect">
             <a:avLst/>
@@ -1040,7 +1040,7 @@
               </a:lnSpc>
               <a:buNone/>
             </a:pPr>
-            <a:fld id="{FAD3058D-247F-49B7-A5C2-4CFD2F7B446F}" type="slidenum">
+            <a:fld id="{651AD07F-2E56-49F7-94A1-BFCB5AB01A17}" type="slidenum">
               <a:rPr b="0" lang="en-US" sz="1200" spc="-1" strike="noStrike">
                 <a:solidFill>
                   <a:srgbClr val="000000"/>
@@ -1091,7 +1091,7 @@
         <p:spPr>
           <a:xfrm>
             <a:off x="380880" y="685800"/>
-            <a:ext cx="6091560" cy="3424680"/>
+            <a:ext cx="6091200" cy="3424320"/>
           </a:xfrm>
           <a:prstGeom prst="rect">
             <a:avLst/>
@@ -1114,7 +1114,7 @@
         <p:spPr>
           <a:xfrm>
             <a:off x="685800" y="4343400"/>
-            <a:ext cx="5482080" cy="4110480"/>
+            <a:ext cx="5481720" cy="4110120"/>
           </a:xfrm>
           <a:prstGeom prst="rect">
             <a:avLst/>
@@ -1148,7 +1148,7 @@
         <p:spPr>
           <a:xfrm>
             <a:off x="3884760" y="8685360"/>
-            <a:ext cx="2967480" cy="452880"/>
+            <a:ext cx="2967120" cy="452520"/>
           </a:xfrm>
           <a:prstGeom prst="rect">
             <a:avLst/>
@@ -1184,7 +1184,7 @@
               </a:lnSpc>
               <a:buNone/>
             </a:pPr>
-            <a:fld id="{B78DC7C3-0049-41B3-B174-EC8195612DE1}" type="slidenum">
+            <a:fld id="{75F3965C-23D4-485F-A227-39C6B51826F9}" type="slidenum">
               <a:rPr b="0" lang="en-US" sz="1200" spc="-1" strike="noStrike">
                 <a:solidFill>
                   <a:srgbClr val="000000"/>
@@ -1235,7 +1235,7 @@
         <p:spPr>
           <a:xfrm>
             <a:off x="380880" y="685800"/>
-            <a:ext cx="6091560" cy="3424680"/>
+            <a:ext cx="6091200" cy="3424320"/>
           </a:xfrm>
           <a:prstGeom prst="rect">
             <a:avLst/>
@@ -1258,7 +1258,7 @@
         <p:spPr>
           <a:xfrm>
             <a:off x="685800" y="4343400"/>
-            <a:ext cx="5482080" cy="4110480"/>
+            <a:ext cx="5481720" cy="4110120"/>
           </a:xfrm>
           <a:prstGeom prst="rect">
             <a:avLst/>
@@ -1292,7 +1292,7 @@
         <p:spPr>
           <a:xfrm>
             <a:off x="3884760" y="8685360"/>
-            <a:ext cx="2967480" cy="452880"/>
+            <a:ext cx="2967120" cy="452520"/>
           </a:xfrm>
           <a:prstGeom prst="rect">
             <a:avLst/>
@@ -1328,7 +1328,7 @@
               </a:lnSpc>
               <a:buNone/>
             </a:pPr>
-            <a:fld id="{5BDC26ED-672A-41B7-B6D8-9E864373E381}" type="slidenum">
+            <a:fld id="{CFD7A35A-A7CB-4210-BF51-4E519D8DD714}" type="slidenum">
               <a:rPr b="0" lang="en-US" sz="1200" spc="-1" strike="noStrike">
                 <a:solidFill>
                   <a:srgbClr val="000000"/>
@@ -1379,7 +1379,7 @@
         <p:spPr>
           <a:xfrm>
             <a:off x="380880" y="685800"/>
-            <a:ext cx="6091560" cy="3424680"/>
+            <a:ext cx="6091200" cy="3424320"/>
           </a:xfrm>
           <a:prstGeom prst="rect">
             <a:avLst/>
@@ -1402,7 +1402,7 @@
         <p:spPr>
           <a:xfrm>
             <a:off x="685800" y="4343400"/>
-            <a:ext cx="5482080" cy="4110480"/>
+            <a:ext cx="5481720" cy="4110120"/>
           </a:xfrm>
           <a:prstGeom prst="rect">
             <a:avLst/>
@@ -1436,7 +1436,7 @@
         <p:spPr>
           <a:xfrm>
             <a:off x="3884760" y="8685360"/>
-            <a:ext cx="2967480" cy="452880"/>
+            <a:ext cx="2967120" cy="452520"/>
           </a:xfrm>
           <a:prstGeom prst="rect">
             <a:avLst/>
@@ -1472,7 +1472,7 @@
               </a:lnSpc>
               <a:buNone/>
             </a:pPr>
-            <a:fld id="{3219429B-D25C-4C3D-9D39-8179009D7DBE}" type="slidenum">
+            <a:fld id="{B4208D63-4D42-4D77-B236-8D98D84AA4F7}" type="slidenum">
               <a:rPr b="0" lang="en-US" sz="1200" spc="-1" strike="noStrike">
                 <a:solidFill>
                   <a:srgbClr val="000000"/>
@@ -1523,7 +1523,7 @@
         <p:spPr>
           <a:xfrm>
             <a:off x="380880" y="685800"/>
-            <a:ext cx="6091560" cy="3424680"/>
+            <a:ext cx="6091200" cy="3424320"/>
           </a:xfrm>
           <a:prstGeom prst="rect">
             <a:avLst/>
@@ -1546,7 +1546,7 @@
         <p:spPr>
           <a:xfrm>
             <a:off x="685800" y="4343400"/>
-            <a:ext cx="5482080" cy="4110480"/>
+            <a:ext cx="5481720" cy="4110120"/>
           </a:xfrm>
           <a:prstGeom prst="rect">
             <a:avLst/>
@@ -1580,7 +1580,7 @@
         <p:spPr>
           <a:xfrm>
             <a:off x="3884760" y="8685360"/>
-            <a:ext cx="2967480" cy="452880"/>
+            <a:ext cx="2967120" cy="452520"/>
           </a:xfrm>
           <a:prstGeom prst="rect">
             <a:avLst/>
@@ -1616,7 +1616,7 @@
               </a:lnSpc>
               <a:buNone/>
             </a:pPr>
-            <a:fld id="{118AD5BA-D1F7-4F40-BBBA-410D7598AF7E}" type="slidenum">
+            <a:fld id="{96D48BF6-74E7-478D-BB01-8CF159749683}" type="slidenum">
               <a:rPr b="0" lang="en-US" sz="1200" spc="-1" strike="noStrike">
                 <a:solidFill>
                   <a:srgbClr val="000000"/>
@@ -1667,7 +1667,7 @@
         <p:spPr>
           <a:xfrm>
             <a:off x="380880" y="685800"/>
-            <a:ext cx="6091560" cy="3424680"/>
+            <a:ext cx="6091200" cy="3424320"/>
           </a:xfrm>
           <a:prstGeom prst="rect">
             <a:avLst/>
@@ -1690,7 +1690,7 @@
         <p:spPr>
           <a:xfrm>
             <a:off x="685800" y="4343400"/>
-            <a:ext cx="5482080" cy="4110480"/>
+            <a:ext cx="5481720" cy="4110120"/>
           </a:xfrm>
           <a:prstGeom prst="rect">
             <a:avLst/>
@@ -1724,7 +1724,7 @@
         <p:spPr>
           <a:xfrm>
             <a:off x="3884760" y="8685360"/>
-            <a:ext cx="2967480" cy="452880"/>
+            <a:ext cx="2967120" cy="452520"/>
           </a:xfrm>
           <a:prstGeom prst="rect">
             <a:avLst/>
@@ -1760,7 +1760,7 @@
               </a:lnSpc>
               <a:buNone/>
             </a:pPr>
-            <a:fld id="{A8A7550B-E29B-48C6-AE11-3F07385FAF53}" type="slidenum">
+            <a:fld id="{7579838B-8642-49B4-B55A-52650B17B342}" type="slidenum">
               <a:rPr b="0" lang="en-US" sz="1200" spc="-1" strike="noStrike">
                 <a:solidFill>
                   <a:srgbClr val="000000"/>
@@ -1811,7 +1811,7 @@
         <p:spPr>
           <a:xfrm>
             <a:off x="380880" y="685800"/>
-            <a:ext cx="6091560" cy="3424680"/>
+            <a:ext cx="6091200" cy="3424320"/>
           </a:xfrm>
           <a:prstGeom prst="rect">
             <a:avLst/>
@@ -1834,7 +1834,7 @@
         <p:spPr>
           <a:xfrm>
             <a:off x="685800" y="4343400"/>
-            <a:ext cx="5482080" cy="4110480"/>
+            <a:ext cx="5481720" cy="4110120"/>
           </a:xfrm>
           <a:prstGeom prst="rect">
             <a:avLst/>
@@ -1868,7 +1868,7 @@
         <p:spPr>
           <a:xfrm>
             <a:off x="3884760" y="8685360"/>
-            <a:ext cx="2967480" cy="452880"/>
+            <a:ext cx="2967120" cy="452520"/>
           </a:xfrm>
           <a:prstGeom prst="rect">
             <a:avLst/>
@@ -1904,7 +1904,7 @@
               </a:lnSpc>
               <a:buNone/>
             </a:pPr>
-            <a:fld id="{F40DE9C0-D63D-4A90-BD9B-B90962EC7016}" type="slidenum">
+            <a:fld id="{949AC3E8-DDA8-4C9D-A9D2-D2D320C77F56}" type="slidenum">
               <a:rPr b="0" lang="en-US" sz="1200" spc="-1" strike="noStrike">
                 <a:solidFill>
                   <a:srgbClr val="000000"/>
@@ -1955,7 +1955,7 @@
         <p:spPr>
           <a:xfrm>
             <a:off x="380880" y="685800"/>
-            <a:ext cx="6091560" cy="3424680"/>
+            <a:ext cx="6091200" cy="3424320"/>
           </a:xfrm>
           <a:prstGeom prst="rect">
             <a:avLst/>
@@ -1978,7 +1978,7 @@
         <p:spPr>
           <a:xfrm>
             <a:off x="685800" y="4343400"/>
-            <a:ext cx="5482080" cy="4110480"/>
+            <a:ext cx="5481720" cy="4110120"/>
           </a:xfrm>
           <a:prstGeom prst="rect">
             <a:avLst/>
@@ -2012,7 +2012,7 @@
         <p:spPr>
           <a:xfrm>
             <a:off x="3884760" y="8685360"/>
-            <a:ext cx="2967480" cy="452880"/>
+            <a:ext cx="2967120" cy="452520"/>
           </a:xfrm>
           <a:prstGeom prst="rect">
             <a:avLst/>
@@ -2048,7 +2048,7 @@
               </a:lnSpc>
               <a:buNone/>
             </a:pPr>
-            <a:fld id="{3080EE40-DEDB-4871-84EB-D895A800A07E}" type="slidenum">
+            <a:fld id="{DCE02D42-F670-403F-9B81-ECF20570107A}" type="slidenum">
               <a:rPr b="0" lang="en-US" sz="1200" spc="-1" strike="noStrike">
                 <a:solidFill>
                   <a:srgbClr val="000000"/>
@@ -2099,7 +2099,7 @@
         <p:spPr>
           <a:xfrm>
             <a:off x="380880" y="685800"/>
-            <a:ext cx="6091560" cy="3424680"/>
+            <a:ext cx="6091200" cy="3424320"/>
           </a:xfrm>
           <a:prstGeom prst="rect">
             <a:avLst/>
@@ -2122,7 +2122,7 @@
         <p:spPr>
           <a:xfrm>
             <a:off x="685800" y="4343400"/>
-            <a:ext cx="5482080" cy="4110480"/>
+            <a:ext cx="5481720" cy="4110120"/>
           </a:xfrm>
           <a:prstGeom prst="rect">
             <a:avLst/>
@@ -2156,7 +2156,7 @@
         <p:spPr>
           <a:xfrm>
             <a:off x="3884760" y="8685360"/>
-            <a:ext cx="2967480" cy="452880"/>
+            <a:ext cx="2967120" cy="452520"/>
           </a:xfrm>
           <a:prstGeom prst="rect">
             <a:avLst/>
@@ -2192,7 +2192,7 @@
               </a:lnSpc>
               <a:buNone/>
             </a:pPr>
-            <a:fld id="{E6EB095B-AFC5-44B8-BCD4-26034751E66E}" type="slidenum">
+            <a:fld id="{AC07961D-B9BD-4E10-ADD8-CEED55FBE4E2}" type="slidenum">
               <a:rPr b="0" lang="en-US" sz="1200" spc="-1" strike="noStrike">
                 <a:solidFill>
                   <a:srgbClr val="000000"/>
@@ -2243,7 +2243,7 @@
         <p:spPr>
           <a:xfrm>
             <a:off x="380880" y="685800"/>
-            <a:ext cx="6091560" cy="3424680"/>
+            <a:ext cx="6091200" cy="3424320"/>
           </a:xfrm>
           <a:prstGeom prst="rect">
             <a:avLst/>
@@ -2266,7 +2266,7 @@
         <p:spPr>
           <a:xfrm>
             <a:off x="685800" y="4343400"/>
-            <a:ext cx="5482080" cy="4110480"/>
+            <a:ext cx="5481720" cy="4110120"/>
           </a:xfrm>
           <a:prstGeom prst="rect">
             <a:avLst/>
@@ -2300,7 +2300,7 @@
         <p:spPr>
           <a:xfrm>
             <a:off x="3884760" y="8685360"/>
-            <a:ext cx="2967480" cy="452880"/>
+            <a:ext cx="2967120" cy="452520"/>
           </a:xfrm>
           <a:prstGeom prst="rect">
             <a:avLst/>
@@ -2336,7 +2336,7 @@
               </a:lnSpc>
               <a:buNone/>
             </a:pPr>
-            <a:fld id="{C0E93DCB-8654-4691-8A99-C81B269E6D10}" type="slidenum">
+            <a:fld id="{5ECB8AE1-9EB6-4A85-AE2F-FD8A583AEC71}" type="slidenum">
               <a:rPr b="0" lang="en-US" sz="1200" spc="-1" strike="noStrike">
                 <a:solidFill>
                   <a:srgbClr val="000000"/>
@@ -2387,7 +2387,7 @@
         <p:spPr>
           <a:xfrm>
             <a:off x="380880" y="685800"/>
-            <a:ext cx="6091560" cy="3424680"/>
+            <a:ext cx="6091200" cy="3424320"/>
           </a:xfrm>
           <a:prstGeom prst="rect">
             <a:avLst/>
@@ -2410,7 +2410,7 @@
         <p:spPr>
           <a:xfrm>
             <a:off x="685800" y="4343400"/>
-            <a:ext cx="5482080" cy="4110480"/>
+            <a:ext cx="5481720" cy="4110120"/>
           </a:xfrm>
           <a:prstGeom prst="rect">
             <a:avLst/>
@@ -2444,7 +2444,7 @@
         <p:spPr>
           <a:xfrm>
             <a:off x="3884760" y="8685360"/>
-            <a:ext cx="2967480" cy="452880"/>
+            <a:ext cx="2967120" cy="452520"/>
           </a:xfrm>
           <a:prstGeom prst="rect">
             <a:avLst/>
@@ -2480,7 +2480,7 @@
               </a:lnSpc>
               <a:buNone/>
             </a:pPr>
-            <a:fld id="{65791E95-44A6-4ADE-80B5-C4F8CA2B9484}" type="slidenum">
+            <a:fld id="{64F0E9FD-AFDA-48FA-8625-5AB49A848445}" type="slidenum">
               <a:rPr b="0" lang="en-US" sz="1200" spc="-1" strike="noStrike">
                 <a:solidFill>
                   <a:srgbClr val="000000"/>
@@ -2531,7 +2531,7 @@
         <p:spPr>
           <a:xfrm>
             <a:off x="380880" y="685800"/>
-            <a:ext cx="6091560" cy="3424680"/>
+            <a:ext cx="6091200" cy="3424320"/>
           </a:xfrm>
           <a:prstGeom prst="rect">
             <a:avLst/>
@@ -2554,7 +2554,7 @@
         <p:spPr>
           <a:xfrm>
             <a:off x="685800" y="4343400"/>
-            <a:ext cx="5482080" cy="4110480"/>
+            <a:ext cx="5481720" cy="4110120"/>
           </a:xfrm>
           <a:prstGeom prst="rect">
             <a:avLst/>
@@ -2588,7 +2588,7 @@
         <p:spPr>
           <a:xfrm>
             <a:off x="3884760" y="8685360"/>
-            <a:ext cx="2967480" cy="452880"/>
+            <a:ext cx="2967120" cy="452520"/>
           </a:xfrm>
           <a:prstGeom prst="rect">
             <a:avLst/>
@@ -2624,7 +2624,7 @@
               </a:lnSpc>
               <a:buNone/>
             </a:pPr>
-            <a:fld id="{DBAC1885-4B9C-4E02-AB95-385AB2BB8023}" type="slidenum">
+            <a:fld id="{7B1B08CC-F403-43F0-8FE4-A473ECC12882}" type="slidenum">
               <a:rPr b="0" lang="en-US" sz="1200" spc="-1" strike="noStrike">
                 <a:solidFill>
                   <a:srgbClr val="000000"/>
@@ -2675,7 +2675,7 @@
         <p:spPr>
           <a:xfrm>
             <a:off x="380880" y="685800"/>
-            <a:ext cx="6091560" cy="3424680"/>
+            <a:ext cx="6091200" cy="3424320"/>
           </a:xfrm>
           <a:prstGeom prst="rect">
             <a:avLst/>
@@ -2698,7 +2698,7 @@
         <p:spPr>
           <a:xfrm>
             <a:off x="685800" y="4343400"/>
-            <a:ext cx="5482080" cy="4110480"/>
+            <a:ext cx="5481720" cy="4110120"/>
           </a:xfrm>
           <a:prstGeom prst="rect">
             <a:avLst/>
@@ -2732,7 +2732,7 @@
         <p:spPr>
           <a:xfrm>
             <a:off x="3884760" y="8685360"/>
-            <a:ext cx="2967480" cy="452880"/>
+            <a:ext cx="2967120" cy="452520"/>
           </a:xfrm>
           <a:prstGeom prst="rect">
             <a:avLst/>
@@ -2768,7 +2768,7 @@
               </a:lnSpc>
               <a:buNone/>
             </a:pPr>
-            <a:fld id="{E20698DB-01A5-4175-97EC-3C52E56EA4BD}" type="slidenum">
+            <a:fld id="{75C3CAC1-AAE5-4960-A4D8-F91EDCE3734B}" type="slidenum">
               <a:rPr b="0" lang="en-US" sz="1200" spc="-1" strike="noStrike">
                 <a:solidFill>
                   <a:srgbClr val="000000"/>
@@ -2819,7 +2819,7 @@
         <p:spPr>
           <a:xfrm>
             <a:off x="380880" y="685800"/>
-            <a:ext cx="6091560" cy="3424680"/>
+            <a:ext cx="6091200" cy="3424320"/>
           </a:xfrm>
           <a:prstGeom prst="rect">
             <a:avLst/>
@@ -2842,7 +2842,7 @@
         <p:spPr>
           <a:xfrm>
             <a:off x="685800" y="4343400"/>
-            <a:ext cx="5482080" cy="4110480"/>
+            <a:ext cx="5481720" cy="4110120"/>
           </a:xfrm>
           <a:prstGeom prst="rect">
             <a:avLst/>
@@ -2876,7 +2876,7 @@
         <p:spPr>
           <a:xfrm>
             <a:off x="3884760" y="8685360"/>
-            <a:ext cx="2967480" cy="452880"/>
+            <a:ext cx="2967120" cy="452520"/>
           </a:xfrm>
           <a:prstGeom prst="rect">
             <a:avLst/>
@@ -2912,7 +2912,7 @@
               </a:lnSpc>
               <a:buNone/>
             </a:pPr>
-            <a:fld id="{92A0E802-F575-47E3-B4EA-944D5207635A}" type="slidenum">
+            <a:fld id="{E8DB73B5-0882-4E6B-BB63-2E0C645DB5C9}" type="slidenum">
               <a:rPr b="0" lang="en-US" sz="1200" spc="-1" strike="noStrike">
                 <a:solidFill>
                   <a:srgbClr val="000000"/>
@@ -2963,7 +2963,7 @@
         <p:spPr>
           <a:xfrm>
             <a:off x="380880" y="685800"/>
-            <a:ext cx="6091560" cy="3424680"/>
+            <a:ext cx="6091200" cy="3424320"/>
           </a:xfrm>
           <a:prstGeom prst="rect">
             <a:avLst/>
@@ -2986,7 +2986,7 @@
         <p:spPr>
           <a:xfrm>
             <a:off x="685800" y="4343400"/>
-            <a:ext cx="5482080" cy="4110480"/>
+            <a:ext cx="5481720" cy="4110120"/>
           </a:xfrm>
           <a:prstGeom prst="rect">
             <a:avLst/>
@@ -3020,7 +3020,7 @@
         <p:spPr>
           <a:xfrm>
             <a:off x="3884760" y="8685360"/>
-            <a:ext cx="2967480" cy="452880"/>
+            <a:ext cx="2967120" cy="452520"/>
           </a:xfrm>
           <a:prstGeom prst="rect">
             <a:avLst/>
@@ -3056,7 +3056,7 @@
               </a:lnSpc>
               <a:buNone/>
             </a:pPr>
-            <a:fld id="{4E1D5DD5-4C81-4EC8-B265-7F56CC0B068F}" type="slidenum">
+            <a:fld id="{56159053-8FF0-403A-9F8E-09339208A1E3}" type="slidenum">
               <a:rPr b="0" lang="en-US" sz="1200" spc="-1" strike="noStrike">
                 <a:solidFill>
                   <a:srgbClr val="000000"/>
@@ -3107,7 +3107,7 @@
         <p:spPr>
           <a:xfrm>
             <a:off x="380880" y="685800"/>
-            <a:ext cx="6091560" cy="3424680"/>
+            <a:ext cx="6091200" cy="3424320"/>
           </a:xfrm>
           <a:prstGeom prst="rect">
             <a:avLst/>
@@ -3130,7 +3130,7 @@
         <p:spPr>
           <a:xfrm>
             <a:off x="685800" y="4343400"/>
-            <a:ext cx="5482080" cy="4110480"/>
+            <a:ext cx="5481720" cy="4110120"/>
           </a:xfrm>
           <a:prstGeom prst="rect">
             <a:avLst/>
@@ -3164,7 +3164,7 @@
         <p:spPr>
           <a:xfrm>
             <a:off x="3884760" y="8685360"/>
-            <a:ext cx="2967480" cy="452880"/>
+            <a:ext cx="2967120" cy="452520"/>
           </a:xfrm>
           <a:prstGeom prst="rect">
             <a:avLst/>
@@ -3200,7 +3200,7 @@
               </a:lnSpc>
               <a:buNone/>
             </a:pPr>
-            <a:fld id="{DDB6F464-BAB0-4799-B19C-CDD0AC17EE57}" type="slidenum">
+            <a:fld id="{5A5D8CB1-04A6-4C5C-AFCF-033E4B318D8A}" type="slidenum">
               <a:rPr b="0" lang="en-US" sz="1200" spc="-1" strike="noStrike">
                 <a:solidFill>
                   <a:srgbClr val="000000"/>
@@ -3251,7 +3251,7 @@
         <p:spPr>
           <a:xfrm>
             <a:off x="380880" y="685800"/>
-            <a:ext cx="6091560" cy="3424680"/>
+            <a:ext cx="6091200" cy="3424320"/>
           </a:xfrm>
           <a:prstGeom prst="rect">
             <a:avLst/>
@@ -3274,7 +3274,7 @@
         <p:spPr>
           <a:xfrm>
             <a:off x="685800" y="4343400"/>
-            <a:ext cx="5482080" cy="4110480"/>
+            <a:ext cx="5481720" cy="4110120"/>
           </a:xfrm>
           <a:prstGeom prst="rect">
             <a:avLst/>
@@ -3308,7 +3308,7 @@
         <p:spPr>
           <a:xfrm>
             <a:off x="3884760" y="8685360"/>
-            <a:ext cx="2967480" cy="452880"/>
+            <a:ext cx="2967120" cy="452520"/>
           </a:xfrm>
           <a:prstGeom prst="rect">
             <a:avLst/>
@@ -3344,7 +3344,7 @@
               </a:lnSpc>
               <a:buNone/>
             </a:pPr>
-            <a:fld id="{4F40CCDE-94E7-4007-9E08-052CFB358A90}" type="slidenum">
+            <a:fld id="{D332C560-C142-4354-85A9-572162AC4371}" type="slidenum">
               <a:rPr b="0" lang="en-US" sz="1200" spc="-1" strike="noStrike">
                 <a:solidFill>
                   <a:srgbClr val="000000"/>
@@ -3395,7 +3395,7 @@
         <p:spPr>
           <a:xfrm>
             <a:off x="380880" y="685800"/>
-            <a:ext cx="6091560" cy="3424680"/>
+            <a:ext cx="6091200" cy="3424320"/>
           </a:xfrm>
           <a:prstGeom prst="rect">
             <a:avLst/>
@@ -3418,7 +3418,7 @@
         <p:spPr>
           <a:xfrm>
             <a:off x="685800" y="4343400"/>
-            <a:ext cx="5482080" cy="4110480"/>
+            <a:ext cx="5481720" cy="4110120"/>
           </a:xfrm>
           <a:prstGeom prst="rect">
             <a:avLst/>
@@ -3452,7 +3452,7 @@
         <p:spPr>
           <a:xfrm>
             <a:off x="3884760" y="8685360"/>
-            <a:ext cx="2967480" cy="452880"/>
+            <a:ext cx="2967120" cy="452520"/>
           </a:xfrm>
           <a:prstGeom prst="rect">
             <a:avLst/>
@@ -3488,7 +3488,7 @@
               </a:lnSpc>
               <a:buNone/>
             </a:pPr>
-            <a:fld id="{580E8D55-FC61-479F-8C3D-0D98AD0EA9BC}" type="slidenum">
+            <a:fld id="{AD06CD3C-3DD6-467B-AE88-D1EBC2B61A54}" type="slidenum">
               <a:rPr b="0" lang="en-US" sz="1200" spc="-1" strike="noStrike">
                 <a:solidFill>
                   <a:srgbClr val="000000"/>
@@ -3539,7 +3539,7 @@
         <p:spPr>
           <a:xfrm>
             <a:off x="380880" y="685800"/>
-            <a:ext cx="6091560" cy="3424680"/>
+            <a:ext cx="6091200" cy="3424320"/>
           </a:xfrm>
           <a:prstGeom prst="rect">
             <a:avLst/>
@@ -3562,7 +3562,7 @@
         <p:spPr>
           <a:xfrm>
             <a:off x="685800" y="4343400"/>
-            <a:ext cx="5482080" cy="4110480"/>
+            <a:ext cx="5481720" cy="4110120"/>
           </a:xfrm>
           <a:prstGeom prst="rect">
             <a:avLst/>
@@ -3596,7 +3596,7 @@
         <p:spPr>
           <a:xfrm>
             <a:off x="3884760" y="8685360"/>
-            <a:ext cx="2967480" cy="452880"/>
+            <a:ext cx="2967120" cy="452520"/>
           </a:xfrm>
           <a:prstGeom prst="rect">
             <a:avLst/>
@@ -3632,7 +3632,7 @@
               </a:lnSpc>
               <a:buNone/>
             </a:pPr>
-            <a:fld id="{83090431-9A97-41CC-96F0-0F6C3768F331}" type="slidenum">
+            <a:fld id="{DFE08239-96B8-4EF9-BFD9-CF9A6A59E8A9}" type="slidenum">
               <a:rPr b="0" lang="en-US" sz="1200" spc="-1" strike="noStrike">
                 <a:solidFill>
                   <a:srgbClr val="000000"/>
@@ -3683,7 +3683,7 @@
         <p:spPr>
           <a:xfrm>
             <a:off x="380880" y="685800"/>
-            <a:ext cx="6091560" cy="3424680"/>
+            <a:ext cx="6091200" cy="3424320"/>
           </a:xfrm>
           <a:prstGeom prst="rect">
             <a:avLst/>
@@ -3706,7 +3706,7 @@
         <p:spPr>
           <a:xfrm>
             <a:off x="685800" y="4343400"/>
-            <a:ext cx="5482080" cy="4110480"/>
+            <a:ext cx="5481720" cy="4110120"/>
           </a:xfrm>
           <a:prstGeom prst="rect">
             <a:avLst/>
@@ -3740,7 +3740,7 @@
         <p:spPr>
           <a:xfrm>
             <a:off x="3884760" y="8685360"/>
-            <a:ext cx="2967480" cy="452880"/>
+            <a:ext cx="2967120" cy="452520"/>
           </a:xfrm>
           <a:prstGeom prst="rect">
             <a:avLst/>
@@ -3776,7 +3776,7 @@
               </a:lnSpc>
               <a:buNone/>
             </a:pPr>
-            <a:fld id="{A723ACE8-E763-49AF-A6AF-D6177E03A699}" type="slidenum">
+            <a:fld id="{F72CC32C-1C40-445C-8AEA-98F51077151D}" type="slidenum">
               <a:rPr b="0" lang="en-US" sz="1200" spc="-1" strike="noStrike">
                 <a:solidFill>
                   <a:srgbClr val="000000"/>
@@ -3827,7 +3827,7 @@
         <p:spPr>
           <a:xfrm>
             <a:off x="380880" y="685800"/>
-            <a:ext cx="6091560" cy="3424680"/>
+            <a:ext cx="6091200" cy="3424320"/>
           </a:xfrm>
           <a:prstGeom prst="rect">
             <a:avLst/>
@@ -3850,7 +3850,7 @@
         <p:spPr>
           <a:xfrm>
             <a:off x="685800" y="4343400"/>
-            <a:ext cx="5482080" cy="4110480"/>
+            <a:ext cx="5481720" cy="4110120"/>
           </a:xfrm>
           <a:prstGeom prst="rect">
             <a:avLst/>
@@ -3884,7 +3884,7 @@
         <p:spPr>
           <a:xfrm>
             <a:off x="3884760" y="8685360"/>
-            <a:ext cx="2967480" cy="452880"/>
+            <a:ext cx="2967120" cy="452520"/>
           </a:xfrm>
           <a:prstGeom prst="rect">
             <a:avLst/>
@@ -3920,7 +3920,7 @@
               </a:lnSpc>
               <a:buNone/>
             </a:pPr>
-            <a:fld id="{196FD751-6BCB-420F-AA54-0C3D4BC3D925}" type="slidenum">
+            <a:fld id="{5AC03431-A32D-4B2F-92E5-8971D0886C06}" type="slidenum">
               <a:rPr b="0" lang="en-US" sz="1200" spc="-1" strike="noStrike">
                 <a:solidFill>
                   <a:srgbClr val="000000"/>
@@ -3971,7 +3971,7 @@
         <p:spPr>
           <a:xfrm>
             <a:off x="380880" y="685800"/>
-            <a:ext cx="6091560" cy="3424680"/>
+            <a:ext cx="6091200" cy="3424320"/>
           </a:xfrm>
           <a:prstGeom prst="rect">
             <a:avLst/>
@@ -3994,7 +3994,7 @@
         <p:spPr>
           <a:xfrm>
             <a:off x="685800" y="4343400"/>
-            <a:ext cx="5482080" cy="4110480"/>
+            <a:ext cx="5481720" cy="4110120"/>
           </a:xfrm>
           <a:prstGeom prst="rect">
             <a:avLst/>
@@ -4028,7 +4028,7 @@
         <p:spPr>
           <a:xfrm>
             <a:off x="3884760" y="8685360"/>
-            <a:ext cx="2967480" cy="452880"/>
+            <a:ext cx="2967120" cy="452520"/>
           </a:xfrm>
           <a:prstGeom prst="rect">
             <a:avLst/>
@@ -4064,7 +4064,7 @@
               </a:lnSpc>
               <a:buNone/>
             </a:pPr>
-            <a:fld id="{13CEE122-6F54-458C-9ABB-31B35CEEEEC1}" type="slidenum">
+            <a:fld id="{A0B63BE9-DE48-4073-B426-F492A7FEE4F6}" type="slidenum">
               <a:rPr b="0" lang="en-US" sz="1200" spc="-1" strike="noStrike">
                 <a:solidFill>
                   <a:srgbClr val="000000"/>
@@ -4115,7 +4115,7 @@
         <p:spPr>
           <a:xfrm>
             <a:off x="380880" y="685800"/>
-            <a:ext cx="6091560" cy="3424680"/>
+            <a:ext cx="6091200" cy="3424320"/>
           </a:xfrm>
           <a:prstGeom prst="rect">
             <a:avLst/>
@@ -4138,7 +4138,7 @@
         <p:spPr>
           <a:xfrm>
             <a:off x="685800" y="4343400"/>
-            <a:ext cx="5482080" cy="4110480"/>
+            <a:ext cx="5481720" cy="4110120"/>
           </a:xfrm>
           <a:prstGeom prst="rect">
             <a:avLst/>
@@ -4172,7 +4172,7 @@
         <p:spPr>
           <a:xfrm>
             <a:off x="3884760" y="8685360"/>
-            <a:ext cx="2967480" cy="452880"/>
+            <a:ext cx="2967120" cy="452520"/>
           </a:xfrm>
           <a:prstGeom prst="rect">
             <a:avLst/>
@@ -4208,7 +4208,7 @@
               </a:lnSpc>
               <a:buNone/>
             </a:pPr>
-            <a:fld id="{179D0BC5-ACCF-4C55-834F-AF079C08FF2B}" type="slidenum">
+            <a:fld id="{A1E163A7-1E1E-40FB-84E9-9C8E9B36E1EC}" type="slidenum">
               <a:rPr b="0" lang="en-US" sz="1200" spc="-1" strike="noStrike">
                 <a:solidFill>
                   <a:srgbClr val="000000"/>
@@ -4259,7 +4259,7 @@
         <p:spPr>
           <a:xfrm>
             <a:off x="380880" y="685800"/>
-            <a:ext cx="6091560" cy="3424680"/>
+            <a:ext cx="6091200" cy="3424320"/>
           </a:xfrm>
           <a:prstGeom prst="rect">
             <a:avLst/>
@@ -4282,7 +4282,7 @@
         <p:spPr>
           <a:xfrm>
             <a:off x="685800" y="4343400"/>
-            <a:ext cx="5482080" cy="4110480"/>
+            <a:ext cx="5481720" cy="4110120"/>
           </a:xfrm>
           <a:prstGeom prst="rect">
             <a:avLst/>
@@ -4316,7 +4316,7 @@
         <p:spPr>
           <a:xfrm>
             <a:off x="3884760" y="8685360"/>
-            <a:ext cx="2967480" cy="452880"/>
+            <a:ext cx="2967120" cy="452520"/>
           </a:xfrm>
           <a:prstGeom prst="rect">
             <a:avLst/>
@@ -4352,7 +4352,7 @@
               </a:lnSpc>
               <a:buNone/>
             </a:pPr>
-            <a:fld id="{EC36762D-2915-4DA0-9C28-E942C0C88722}" type="slidenum">
+            <a:fld id="{C5E54901-BC98-4075-9A7A-D9B3ABF37DFE}" type="slidenum">
               <a:rPr b="0" lang="en-US" sz="1200" spc="-1" strike="noStrike">
                 <a:solidFill>
                   <a:srgbClr val="000000"/>
@@ -4403,7 +4403,7 @@
         <p:spPr>
           <a:xfrm>
             <a:off x="380880" y="685800"/>
-            <a:ext cx="6091560" cy="3424680"/>
+            <a:ext cx="6091200" cy="3424320"/>
           </a:xfrm>
           <a:prstGeom prst="rect">
             <a:avLst/>
@@ -4426,7 +4426,7 @@
         <p:spPr>
           <a:xfrm>
             <a:off x="685800" y="4343400"/>
-            <a:ext cx="5482080" cy="4110480"/>
+            <a:ext cx="5481720" cy="4110120"/>
           </a:xfrm>
           <a:prstGeom prst="rect">
             <a:avLst/>
@@ -4460,7 +4460,7 @@
         <p:spPr>
           <a:xfrm>
             <a:off x="3884760" y="8685360"/>
-            <a:ext cx="2967480" cy="452880"/>
+            <a:ext cx="2967120" cy="452520"/>
           </a:xfrm>
           <a:prstGeom prst="rect">
             <a:avLst/>
@@ -4496,7 +4496,7 @@
               </a:lnSpc>
               <a:buNone/>
             </a:pPr>
-            <a:fld id="{14BB196B-4253-4F03-8D36-72029C81A6B2}" type="slidenum">
+            <a:fld id="{4EF7B823-9A64-4B0E-BB81-8BC62C1B0BD2}" type="slidenum">
               <a:rPr b="0" lang="en-US" sz="1200" spc="-1" strike="noStrike">
                 <a:solidFill>
                   <a:srgbClr val="000000"/>
@@ -4547,7 +4547,7 @@
         <p:spPr>
           <a:xfrm>
             <a:off x="380880" y="685800"/>
-            <a:ext cx="6091560" cy="3424680"/>
+            <a:ext cx="6091200" cy="3424320"/>
           </a:xfrm>
           <a:prstGeom prst="rect">
             <a:avLst/>
@@ -4570,7 +4570,7 @@
         <p:spPr>
           <a:xfrm>
             <a:off x="685800" y="4343400"/>
-            <a:ext cx="5482080" cy="4110480"/>
+            <a:ext cx="5481720" cy="4110120"/>
           </a:xfrm>
           <a:prstGeom prst="rect">
             <a:avLst/>
@@ -4604,7 +4604,7 @@
         <p:spPr>
           <a:xfrm>
             <a:off x="3884760" y="8685360"/>
-            <a:ext cx="2967480" cy="452880"/>
+            <a:ext cx="2967120" cy="452520"/>
           </a:xfrm>
           <a:prstGeom prst="rect">
             <a:avLst/>
@@ -4640,7 +4640,7 @@
               </a:lnSpc>
               <a:buNone/>
             </a:pPr>
-            <a:fld id="{BF104FD8-E146-4B8A-9502-11520A67118D}" type="slidenum">
+            <a:fld id="{7B7355FD-3ABB-44D7-AB52-0BA3520A804F}" type="slidenum">
               <a:rPr b="0" lang="en-US" sz="1200" spc="-1" strike="noStrike">
                 <a:solidFill>
                   <a:srgbClr val="000000"/>
@@ -4691,7 +4691,7 @@
         <p:spPr>
           <a:xfrm>
             <a:off x="380880" y="685800"/>
-            <a:ext cx="6091560" cy="3424680"/>
+            <a:ext cx="6091200" cy="3424320"/>
           </a:xfrm>
           <a:prstGeom prst="rect">
             <a:avLst/>
@@ -4714,7 +4714,7 @@
         <p:spPr>
           <a:xfrm>
             <a:off x="685800" y="4343400"/>
-            <a:ext cx="5482080" cy="4110480"/>
+            <a:ext cx="5481720" cy="4110120"/>
           </a:xfrm>
           <a:prstGeom prst="rect">
             <a:avLst/>
@@ -4748,7 +4748,7 @@
         <p:spPr>
           <a:xfrm>
             <a:off x="3884760" y="8685360"/>
-            <a:ext cx="2967480" cy="452880"/>
+            <a:ext cx="2967120" cy="452520"/>
           </a:xfrm>
           <a:prstGeom prst="rect">
             <a:avLst/>
@@ -4784,7 +4784,7 @@
               </a:lnSpc>
               <a:buNone/>
             </a:pPr>
-            <a:fld id="{0D5376EA-85DF-4C57-AAFF-03C1171CB21B}" type="slidenum">
+            <a:fld id="{905E0782-3409-4EA3-8DAD-305AA91B8AE5}" type="slidenum">
               <a:rPr b="0" lang="en-US" sz="1200" spc="-1" strike="noStrike">
                 <a:solidFill>
                   <a:srgbClr val="000000"/>
@@ -4835,7 +4835,7 @@
         <p:spPr>
           <a:xfrm>
             <a:off x="380880" y="685800"/>
-            <a:ext cx="6091560" cy="3424680"/>
+            <a:ext cx="6091200" cy="3424320"/>
           </a:xfrm>
           <a:prstGeom prst="rect">
             <a:avLst/>
@@ -4858,7 +4858,7 @@
         <p:spPr>
           <a:xfrm>
             <a:off x="685800" y="4343400"/>
-            <a:ext cx="5482080" cy="4110480"/>
+            <a:ext cx="5481720" cy="4110120"/>
           </a:xfrm>
           <a:prstGeom prst="rect">
             <a:avLst/>
@@ -4892,7 +4892,7 @@
         <p:spPr>
           <a:xfrm>
             <a:off x="3884760" y="8685360"/>
-            <a:ext cx="2967480" cy="452880"/>
+            <a:ext cx="2967120" cy="452520"/>
           </a:xfrm>
           <a:prstGeom prst="rect">
             <a:avLst/>
@@ -4928,7 +4928,7 @@
               </a:lnSpc>
               <a:buNone/>
             </a:pPr>
-            <a:fld id="{8C2A4ACA-5D2F-4DBF-AFB5-5855AB03ADE7}" type="slidenum">
+            <a:fld id="{0F8EC52D-7ED8-4907-88C0-F3CB6114EB35}" type="slidenum">
               <a:rPr b="0" lang="en-US" sz="1200" spc="-1" strike="noStrike">
                 <a:solidFill>
                   <a:srgbClr val="000000"/>
@@ -5000,7 +5000,7 @@
         <p:txBody>
           <a:bodyPr/>
           <a:p>
-            <a:fld id="{371484F7-98B1-45FF-8744-388934C8A18C}" type="slidenum">
+            <a:fld id="{EA348C44-1DEB-4888-B53B-8DCD3C791552}" type="slidenum">
               <a:t>&lt;#&gt;</a:t>
             </a:fld>
           </a:p>
@@ -5188,7 +5188,7 @@
         <p:txBody>
           <a:bodyPr/>
           <a:p>
-            <a:fld id="{FB6045FC-4601-45F4-A7A0-E8827C07E37C}" type="slidenum">
+            <a:fld id="{AE755327-A0FF-4EA9-A731-2209097A88E7}" type="slidenum">
               <a:t>&lt;#&gt;</a:t>
             </a:fld>
           </a:p>
@@ -5444,7 +5444,7 @@
         <p:txBody>
           <a:bodyPr/>
           <a:p>
-            <a:fld id="{78CBA062-CF46-441B-96BF-6C875C50D8C3}" type="slidenum">
+            <a:fld id="{ECF90C37-5D91-4894-939C-274817B0D05E}" type="slidenum">
               <a:t>&lt;#&gt;</a:t>
             </a:fld>
           </a:p>
@@ -5768,7 +5768,7 @@
         <p:txBody>
           <a:bodyPr/>
           <a:p>
-            <a:fld id="{2F4E8B25-7CB0-409E-A395-DD66BF0B7288}" type="slidenum">
+            <a:fld id="{44337004-9E47-4EF2-9D42-D02ECCF4CF7F}" type="slidenum">
               <a:t>&lt;#&gt;</a:t>
             </a:fld>
           </a:p>
@@ -5925,7 +5925,7 @@
         <p:txBody>
           <a:bodyPr/>
           <a:p>
-            <a:fld id="{6FD04B80-897D-4E79-9935-17FBF59B56E3}" type="slidenum">
+            <a:fld id="{0519A239-660A-446E-87CE-DA5B1857CC1D}" type="slidenum">
               <a:t>&lt;#&gt;</a:t>
             </a:fld>
           </a:p>
@@ -6079,7 +6079,7 @@
         <p:txBody>
           <a:bodyPr/>
           <a:p>
-            <a:fld id="{930B04CF-7BB7-40B7-A390-F1F9905D5F9C}" type="slidenum">
+            <a:fld id="{6B2AB9DA-D465-4938-AE33-040D6FD36045}" type="slidenum">
               <a:t>&lt;#&gt;</a:t>
             </a:fld>
           </a:p>
@@ -6267,7 +6267,7 @@
         <p:txBody>
           <a:bodyPr/>
           <a:p>
-            <a:fld id="{82AFFCAD-BD51-4FD0-BCDA-7331D0B2456B}" type="slidenum">
+            <a:fld id="{C2AE81E7-5D5F-4568-B999-F1D76283EF90}" type="slidenum">
               <a:t>&lt;#&gt;</a:t>
             </a:fld>
           </a:p>
@@ -6387,7 +6387,7 @@
         <p:txBody>
           <a:bodyPr/>
           <a:p>
-            <a:fld id="{6AFDC1D4-E78A-44D3-B6A2-858A861E1506}" type="slidenum">
+            <a:fld id="{27CE249A-2502-4CE0-8C93-9E6CCF3D8794}" type="slidenum">
               <a:t>&lt;#&gt;</a:t>
             </a:fld>
           </a:p>
@@ -6507,7 +6507,7 @@
         <p:txBody>
           <a:bodyPr/>
           <a:p>
-            <a:fld id="{94A9E428-95FE-4DBA-886A-2BF5A17F6533}" type="slidenum">
+            <a:fld id="{80834F1A-E720-44B3-AA00-7AACEA928A75}" type="slidenum">
               <a:t>&lt;#&gt;</a:t>
             </a:fld>
           </a:p>
@@ -6729,7 +6729,7 @@
         <p:txBody>
           <a:bodyPr/>
           <a:p>
-            <a:fld id="{7AAC1379-FAA6-4C81-A412-B5A0C2F32D15}" type="slidenum">
+            <a:fld id="{0139A0A7-3E6B-4C5A-959D-0A3D7EC3D344}" type="slidenum">
               <a:t>&lt;#&gt;</a:t>
             </a:fld>
           </a:p>
@@ -6951,7 +6951,7 @@
         <p:txBody>
           <a:bodyPr/>
           <a:p>
-            <a:fld id="{3EECF2B7-07AC-4604-8C4A-B881BAD09B4B}" type="slidenum">
+            <a:fld id="{1DD795EE-A121-4629-93D6-F89DFFAF5741}" type="slidenum">
               <a:t>&lt;#&gt;</a:t>
             </a:fld>
           </a:p>
@@ -7173,7 +7173,7 @@
         <p:txBody>
           <a:bodyPr/>
           <a:p>
-            <a:fld id="{6562247D-3B35-4AED-87BC-2752D434E39C}" type="slidenum">
+            <a:fld id="{2B7E1F15-5E5C-4C10-9F60-32EE18D70A57}" type="slidenum">
               <a:t>&lt;#&gt;</a:t>
             </a:fld>
           </a:p>
@@ -7242,7 +7242,7 @@
         <p:spPr>
           <a:xfrm>
             <a:off x="3028680" y="4771440"/>
-            <a:ext cx="3082320" cy="270360"/>
+            <a:ext cx="3081960" cy="270000"/>
           </a:xfrm>
           <a:prstGeom prst="rect">
             <a:avLst/>
@@ -7307,7 +7307,7 @@
         <p:spPr>
           <a:xfrm>
             <a:off x="6457680" y="4771440"/>
-            <a:ext cx="2053800" cy="270360"/>
+            <a:ext cx="2053440" cy="270000"/>
           </a:xfrm>
           <a:prstGeom prst="rect">
             <a:avLst/>
@@ -7343,7 +7343,7 @@
               </a:lnSpc>
               <a:buNone/>
             </a:pPr>
-            <a:fld id="{01BB4FFE-93C8-40C3-9DA5-8CEEE0A05EF3}" type="slidenum">
+            <a:fld id="{3FF98690-173E-4529-8807-589946821948}" type="slidenum">
               <a:rPr b="0" lang="en-US" sz="1200" spc="-1" strike="noStrike">
                 <a:solidFill>
                   <a:srgbClr val="8b8b8b"/>
@@ -7372,7 +7372,7 @@
         <p:spPr>
           <a:xfrm>
             <a:off x="628200" y="4771440"/>
-            <a:ext cx="2053800" cy="270360"/>
+            <a:ext cx="2053440" cy="270000"/>
           </a:xfrm>
           <a:prstGeom prst="rect">
             <a:avLst/>
@@ -7684,8 +7684,8 @@
         </p:nvSpPr>
         <p:spPr>
           <a:xfrm rot="2744400">
-            <a:off x="-281160" y="-25920"/>
-            <a:ext cx="704520" cy="704160"/>
+            <a:off x="-280800" y="-25560"/>
+            <a:ext cx="704160" cy="703800"/>
           </a:xfrm>
           <a:prstGeom prst="roundRect">
             <a:avLst>
@@ -7723,7 +7723,7 @@
         <p:spPr>
           <a:xfrm rot="2625600">
             <a:off x="6024960" y="4332960"/>
-            <a:ext cx="468360" cy="468360"/>
+            <a:ext cx="468000" cy="468000"/>
           </a:xfrm>
           <a:prstGeom prst="roundRect">
             <a:avLst>
@@ -7760,8 +7760,8 @@
         </p:nvSpPr>
         <p:spPr>
           <a:xfrm rot="18679200">
-            <a:off x="7003800" y="948600"/>
-            <a:ext cx="4939920" cy="4666320"/>
+            <a:off x="7003440" y="948600"/>
+            <a:ext cx="4939560" cy="4665960"/>
           </a:xfrm>
           <a:prstGeom prst="roundRect">
             <a:avLst>
@@ -7799,7 +7799,7 @@
         <p:spPr>
           <a:xfrm>
             <a:off x="459720" y="4671360"/>
-            <a:ext cx="2995560" cy="266400"/>
+            <a:ext cx="2995200" cy="266040"/>
           </a:xfrm>
           <a:prstGeom prst="rect">
             <a:avLst/>
@@ -7864,8 +7864,8 @@
         </p:blipFill>
         <p:spPr>
           <a:xfrm>
-            <a:off x="2423160" y="4671720"/>
-            <a:ext cx="288000" cy="288000"/>
+            <a:off x="3035160" y="4743720"/>
+            <a:ext cx="287640" cy="287640"/>
           </a:xfrm>
           <a:prstGeom prst="rect">
             <a:avLst/>
@@ -7884,7 +7884,7 @@
         <p:spPr>
           <a:xfrm>
             <a:off x="484920" y="1681560"/>
-            <a:ext cx="5481000" cy="1882440"/>
+            <a:ext cx="5480640" cy="1882080"/>
           </a:xfrm>
           <a:prstGeom prst="rect">
             <a:avLst/>
@@ -7972,8 +7972,8 @@
         </p:nvSpPr>
         <p:spPr>
           <a:xfrm rot="2744400">
-            <a:off x="-281160" y="-25920"/>
-            <a:ext cx="704520" cy="704160"/>
+            <a:off x="-280800" y="-25560"/>
+            <a:ext cx="704160" cy="703800"/>
           </a:xfrm>
           <a:prstGeom prst="roundRect">
             <a:avLst>
@@ -8011,7 +8011,7 @@
         <p:spPr>
           <a:xfrm rot="2332200">
             <a:off x="6009480" y="-319680"/>
-            <a:ext cx="4855680" cy="7726680"/>
+            <a:ext cx="4855320" cy="7726320"/>
           </a:xfrm>
           <a:prstGeom prst="roundRect">
             <a:avLst>
@@ -8049,9 +8049,9 @@
         <p:grpSpPr>
           <a:xfrm>
             <a:off x="4571640" y="828000"/>
-            <a:ext cx="4468320" cy="3564360"/>
+            <a:ext cx="4467960" cy="3564000"/>
             <a:chOff x="4571640" y="828000"/>
-            <a:chExt cx="4468320" cy="3564360"/>
+            <a:chExt cx="4467960" cy="3564000"/>
           </a:xfrm>
         </p:grpSpPr>
         <p:pic>
@@ -8067,7 +8067,7 @@
           <p:spPr>
             <a:xfrm>
               <a:off x="4571640" y="828000"/>
-              <a:ext cx="4468320" cy="3564360"/>
+              <a:ext cx="4467960" cy="3564000"/>
             </a:xfrm>
             <a:prstGeom prst="rect">
               <a:avLst/>
@@ -8085,8 +8085,8 @@
           </p:nvSpPr>
           <p:spPr>
             <a:xfrm rot="16200000">
-              <a:off x="5962680" y="1158840"/>
-              <a:ext cx="1737360" cy="2771280"/>
+              <a:off x="5962680" y="1159200"/>
+              <a:ext cx="1737000" cy="2770920"/>
             </a:xfrm>
             <a:prstGeom prst="roundRect">
               <a:avLst>
@@ -8153,7 +8153,7 @@
         <p:spPr>
           <a:xfrm>
             <a:off x="5446080" y="1672200"/>
-            <a:ext cx="2770920" cy="1737360"/>
+            <a:ext cx="2770560" cy="1737000"/>
           </a:xfrm>
           <a:prstGeom prst="rect">
             <a:avLst/>
@@ -8205,7 +8205,7 @@
         <p:spPr>
           <a:xfrm>
             <a:off x="586440" y="1246680"/>
-            <a:ext cx="4004280" cy="3600000"/>
+            <a:ext cx="4003920" cy="3599640"/>
           </a:xfrm>
           <a:prstGeom prst="rect">
             <a:avLst/>
@@ -8257,7 +8257,7 @@
         <p:spPr>
           <a:xfrm>
             <a:off x="586440" y="453960"/>
-            <a:ext cx="4764240" cy="855360"/>
+            <a:ext cx="4763880" cy="855000"/>
           </a:xfrm>
           <a:prstGeom prst="rect">
             <a:avLst/>
@@ -8346,7 +8346,7 @@
         <p:spPr>
           <a:xfrm rot="2745600">
             <a:off x="8349840" y="-668160"/>
-            <a:ext cx="1498320" cy="1498320"/>
+            <a:ext cx="1497960" cy="1497960"/>
           </a:xfrm>
           <a:prstGeom prst="roundRect">
             <a:avLst>
@@ -8384,7 +8384,7 @@
         <p:spPr>
           <a:xfrm rot="2745600">
             <a:off x="7634160" y="-322200"/>
-            <a:ext cx="807120" cy="807480"/>
+            <a:ext cx="806760" cy="807120"/>
           </a:xfrm>
           <a:prstGeom prst="roundRect">
             <a:avLst>
@@ -8423,7 +8423,7 @@
         <p:spPr>
           <a:xfrm>
             <a:off x="586440" y="899640"/>
-            <a:ext cx="7931880" cy="1537200"/>
+            <a:ext cx="7931520" cy="1536840"/>
           </a:xfrm>
           <a:prstGeom prst="rect">
             <a:avLst/>
@@ -8475,7 +8475,7 @@
         <p:spPr>
           <a:xfrm>
             <a:off x="608040" y="2545560"/>
-            <a:ext cx="3712320" cy="2255760"/>
+            <a:ext cx="3711960" cy="2255400"/>
           </a:xfrm>
           <a:prstGeom prst="rect">
             <a:avLst/>
@@ -8527,7 +8527,7 @@
         <p:spPr>
           <a:xfrm>
             <a:off x="4806360" y="2545560"/>
-            <a:ext cx="3712320" cy="2255760"/>
+            <a:ext cx="3711960" cy="2255400"/>
           </a:xfrm>
           <a:prstGeom prst="rect">
             <a:avLst/>
@@ -8579,7 +8579,7 @@
         <p:spPr>
           <a:xfrm>
             <a:off x="583200" y="450720"/>
-            <a:ext cx="7198200" cy="512280"/>
+            <a:ext cx="7197840" cy="511920"/>
           </a:xfrm>
           <a:prstGeom prst="rect">
             <a:avLst/>
@@ -8661,7 +8661,7 @@
         <p:spPr>
           <a:xfrm>
             <a:off x="586440" y="1246680"/>
-            <a:ext cx="4004280" cy="3600000"/>
+            <a:ext cx="4003920" cy="3599640"/>
           </a:xfrm>
           <a:prstGeom prst="rect">
             <a:avLst/>
@@ -8713,7 +8713,7 @@
         <p:spPr>
           <a:xfrm>
             <a:off x="559800" y="446040"/>
-            <a:ext cx="4283640" cy="683640"/>
+            <a:ext cx="4283280" cy="683280"/>
           </a:xfrm>
           <a:prstGeom prst="rect">
             <a:avLst/>
@@ -8765,7 +8765,7 @@
         <p:spPr>
           <a:xfrm>
             <a:off x="5097600" y="360"/>
-            <a:ext cx="4379760" cy="5144040"/>
+            <a:ext cx="4379400" cy="5143680"/>
           </a:xfrm>
           <a:prstGeom prst="roundRect">
             <a:avLst>
@@ -8830,8 +8830,8 @@
         </p:nvSpPr>
         <p:spPr>
           <a:xfrm rot="2744400">
-            <a:off x="-281160" y="-25920"/>
-            <a:ext cx="704520" cy="704160"/>
+            <a:off x="-280800" y="-25560"/>
+            <a:ext cx="704160" cy="703800"/>
           </a:xfrm>
           <a:prstGeom prst="roundRect">
             <a:avLst>
@@ -8869,7 +8869,7 @@
         <p:spPr>
           <a:xfrm rot="2625600">
             <a:off x="4861080" y="4146840"/>
-            <a:ext cx="468360" cy="468360"/>
+            <a:ext cx="468000" cy="468000"/>
           </a:xfrm>
           <a:prstGeom prst="roundRect">
             <a:avLst>
@@ -8943,8 +8943,8 @@
         </p:nvSpPr>
         <p:spPr>
           <a:xfrm rot="2744400">
-            <a:off x="-350280" y="4539960"/>
-            <a:ext cx="704520" cy="704160"/>
+            <a:off x="-349920" y="4539960"/>
+            <a:ext cx="704160" cy="703800"/>
           </a:xfrm>
           <a:prstGeom prst="roundRect">
             <a:avLst>
@@ -8981,8 +8981,8 @@
         </p:nvSpPr>
         <p:spPr>
           <a:xfrm rot="19228200">
-            <a:off x="5846400" y="-2266560"/>
-            <a:ext cx="4855320" cy="7726320"/>
+            <a:off x="5846040" y="-2266200"/>
+            <a:ext cx="4854960" cy="7725960"/>
           </a:xfrm>
           <a:prstGeom prst="roundRect">
             <a:avLst>
@@ -9020,9 +9020,9 @@
         <p:grpSpPr>
           <a:xfrm>
             <a:off x="4571640" y="828000"/>
-            <a:ext cx="4468320" cy="3564360"/>
+            <a:ext cx="4467960" cy="3564000"/>
             <a:chOff x="4571640" y="828000"/>
-            <a:chExt cx="4468320" cy="3564360"/>
+            <a:chExt cx="4467960" cy="3564000"/>
           </a:xfrm>
         </p:grpSpPr>
         <p:pic>
@@ -9038,7 +9038,7 @@
           <p:spPr>
             <a:xfrm>
               <a:off x="4571640" y="828000"/>
-              <a:ext cx="4468320" cy="3564360"/>
+              <a:ext cx="4467960" cy="3564000"/>
             </a:xfrm>
             <a:prstGeom prst="rect">
               <a:avLst/>
@@ -9056,8 +9056,8 @@
           </p:nvSpPr>
           <p:spPr>
             <a:xfrm rot="16200000">
-              <a:off x="5962680" y="1158840"/>
-              <a:ext cx="1737360" cy="2771280"/>
+              <a:off x="5962680" y="1159200"/>
+              <a:ext cx="1737000" cy="2770920"/>
             </a:xfrm>
             <a:prstGeom prst="roundRect">
               <a:avLst>
@@ -9124,7 +9124,7 @@
         <p:spPr>
           <a:xfrm>
             <a:off x="586440" y="1246680"/>
-            <a:ext cx="4004280" cy="3600000"/>
+            <a:ext cx="4003920" cy="3599640"/>
           </a:xfrm>
           <a:prstGeom prst="rect">
             <a:avLst/>
@@ -9176,7 +9176,7 @@
         <p:spPr>
           <a:xfrm>
             <a:off x="5446080" y="1672200"/>
-            <a:ext cx="2780280" cy="1737360"/>
+            <a:ext cx="2779920" cy="1737000"/>
           </a:xfrm>
           <a:prstGeom prst="rect">
             <a:avLst/>
@@ -9228,7 +9228,7 @@
         <p:spPr>
           <a:xfrm>
             <a:off x="586440" y="453960"/>
-            <a:ext cx="3696840" cy="855360"/>
+            <a:ext cx="3696480" cy="855000"/>
           </a:xfrm>
           <a:prstGeom prst="rect">
             <a:avLst/>
@@ -9317,7 +9317,7 @@
         <p:spPr>
           <a:xfrm>
             <a:off x="4222080" y="1246680"/>
-            <a:ext cx="4115160" cy="3600000"/>
+            <a:ext cx="4114800" cy="3599640"/>
           </a:xfrm>
           <a:prstGeom prst="rect">
             <a:avLst/>
@@ -9368,8 +9368,8 @@
         </p:nvSpPr>
         <p:spPr>
           <a:xfrm rot="16200000">
-            <a:off x="-2181600" y="1733400"/>
-            <a:ext cx="5144040" cy="1684080"/>
+            <a:off x="-2181600" y="1733760"/>
+            <a:ext cx="5143680" cy="1683720"/>
           </a:xfrm>
           <a:prstGeom prst="roundRect">
             <a:avLst>
@@ -9406,8 +9406,8 @@
         </p:nvSpPr>
         <p:spPr>
           <a:xfrm rot="2745000">
-            <a:off x="8575200" y="103680"/>
-            <a:ext cx="1132560" cy="1132200"/>
+            <a:off x="8575200" y="103320"/>
+            <a:ext cx="1132200" cy="1131840"/>
           </a:xfrm>
           <a:prstGeom prst="roundRect">
             <a:avLst>
@@ -9444,8 +9444,8 @@
         </p:nvSpPr>
         <p:spPr>
           <a:xfrm rot="16200000">
-            <a:off x="614880" y="918720"/>
-            <a:ext cx="3232080" cy="3313800"/>
+            <a:off x="614880" y="919080"/>
+            <a:ext cx="3231720" cy="3313440"/>
           </a:xfrm>
           <a:prstGeom prst="roundRect">
             <a:avLst>
@@ -9511,7 +9511,7 @@
         <p:spPr>
           <a:xfrm>
             <a:off x="4214160" y="456120"/>
-            <a:ext cx="4111920" cy="855360"/>
+            <a:ext cx="4111560" cy="855000"/>
           </a:xfrm>
           <a:prstGeom prst="rect">
             <a:avLst/>
@@ -9599,8 +9599,8 @@
         </p:nvSpPr>
         <p:spPr>
           <a:xfrm rot="2744400">
-            <a:off x="-281160" y="-25920"/>
-            <a:ext cx="704520" cy="704160"/>
+            <a:off x="-280800" y="-25560"/>
+            <a:ext cx="704160" cy="703800"/>
           </a:xfrm>
           <a:prstGeom prst="roundRect">
             <a:avLst>
@@ -9638,7 +9638,7 @@
         <p:spPr>
           <a:xfrm rot="2332200">
             <a:off x="6009480" y="-319680"/>
-            <a:ext cx="4855680" cy="7726680"/>
+            <a:ext cx="4855320" cy="7726320"/>
           </a:xfrm>
           <a:prstGeom prst="roundRect">
             <a:avLst>
@@ -9676,9 +9676,9 @@
         <p:grpSpPr>
           <a:xfrm>
             <a:off x="4571640" y="828000"/>
-            <a:ext cx="4468320" cy="3564360"/>
+            <a:ext cx="4467960" cy="3564000"/>
             <a:chOff x="4571640" y="828000"/>
-            <a:chExt cx="4468320" cy="3564360"/>
+            <a:chExt cx="4467960" cy="3564000"/>
           </a:xfrm>
         </p:grpSpPr>
         <p:pic>
@@ -9694,7 +9694,7 @@
           <p:spPr>
             <a:xfrm>
               <a:off x="4571640" y="828000"/>
-              <a:ext cx="4468320" cy="3564360"/>
+              <a:ext cx="4467960" cy="3564000"/>
             </a:xfrm>
             <a:prstGeom prst="rect">
               <a:avLst/>
@@ -9712,8 +9712,8 @@
           </p:nvSpPr>
           <p:spPr>
             <a:xfrm rot="16200000">
-              <a:off x="5962680" y="1158840"/>
-              <a:ext cx="1737360" cy="2771280"/>
+              <a:off x="5962680" y="1159200"/>
+              <a:ext cx="1737000" cy="2770920"/>
             </a:xfrm>
             <a:prstGeom prst="roundRect">
               <a:avLst>
@@ -9780,7 +9780,7 @@
         <p:spPr>
           <a:xfrm>
             <a:off x="5446080" y="1672200"/>
-            <a:ext cx="2770920" cy="1737360"/>
+            <a:ext cx="2770560" cy="1737000"/>
           </a:xfrm>
           <a:prstGeom prst="rect">
             <a:avLst/>
@@ -9832,7 +9832,7 @@
         <p:spPr>
           <a:xfrm>
             <a:off x="586440" y="1246680"/>
-            <a:ext cx="4004280" cy="3600000"/>
+            <a:ext cx="4003920" cy="3599640"/>
           </a:xfrm>
           <a:prstGeom prst="rect">
             <a:avLst/>
@@ -9884,7 +9884,7 @@
         <p:spPr>
           <a:xfrm>
             <a:off x="586440" y="453960"/>
-            <a:ext cx="4764240" cy="855360"/>
+            <a:ext cx="4763880" cy="855000"/>
           </a:xfrm>
           <a:prstGeom prst="rect">
             <a:avLst/>
@@ -9973,7 +9973,7 @@
         <p:spPr>
           <a:xfrm rot="2745600">
             <a:off x="8349840" y="-668160"/>
-            <a:ext cx="1498320" cy="1498320"/>
+            <a:ext cx="1497960" cy="1497960"/>
           </a:xfrm>
           <a:prstGeom prst="roundRect">
             <a:avLst>
@@ -10011,7 +10011,7 @@
         <p:spPr>
           <a:xfrm rot="2745600">
             <a:off x="7634160" y="-322200"/>
-            <a:ext cx="807120" cy="807480"/>
+            <a:ext cx="806760" cy="807120"/>
           </a:xfrm>
           <a:prstGeom prst="roundRect">
             <a:avLst>
@@ -10050,7 +10050,7 @@
         <p:spPr>
           <a:xfrm>
             <a:off x="586440" y="899640"/>
-            <a:ext cx="7931880" cy="1537200"/>
+            <a:ext cx="7931520" cy="1536840"/>
           </a:xfrm>
           <a:prstGeom prst="rect">
             <a:avLst/>
@@ -10102,7 +10102,7 @@
         <p:spPr>
           <a:xfrm>
             <a:off x="608040" y="2545560"/>
-            <a:ext cx="3712320" cy="2255760"/>
+            <a:ext cx="3711960" cy="2255400"/>
           </a:xfrm>
           <a:prstGeom prst="rect">
             <a:avLst/>
@@ -10154,7 +10154,7 @@
         <p:spPr>
           <a:xfrm>
             <a:off x="4806360" y="2545560"/>
-            <a:ext cx="3712320" cy="2255760"/>
+            <a:ext cx="3711960" cy="2255400"/>
           </a:xfrm>
           <a:prstGeom prst="rect">
             <a:avLst/>
@@ -10206,7 +10206,7 @@
         <p:spPr>
           <a:xfrm>
             <a:off x="583200" y="450720"/>
-            <a:ext cx="7198200" cy="512280"/>
+            <a:ext cx="7197840" cy="511920"/>
           </a:xfrm>
           <a:prstGeom prst="rect">
             <a:avLst/>
@@ -10288,7 +10288,7 @@
         <p:spPr>
           <a:xfrm>
             <a:off x="586440" y="1246680"/>
-            <a:ext cx="4004280" cy="3600000"/>
+            <a:ext cx="4003920" cy="3599640"/>
           </a:xfrm>
           <a:prstGeom prst="rect">
             <a:avLst/>
@@ -10340,7 +10340,7 @@
         <p:spPr>
           <a:xfrm>
             <a:off x="559800" y="446040"/>
-            <a:ext cx="4283640" cy="683640"/>
+            <a:ext cx="4283280" cy="683280"/>
           </a:xfrm>
           <a:prstGeom prst="rect">
             <a:avLst/>
@@ -10392,7 +10392,7 @@
         <p:spPr>
           <a:xfrm>
             <a:off x="5097600" y="360"/>
-            <a:ext cx="4379760" cy="5144040"/>
+            <a:ext cx="4379400" cy="5143680"/>
           </a:xfrm>
           <a:prstGeom prst="roundRect">
             <a:avLst>
@@ -10457,8 +10457,8 @@
         </p:nvSpPr>
         <p:spPr>
           <a:xfrm rot="2744400">
-            <a:off x="-281160" y="-25920"/>
-            <a:ext cx="704520" cy="704160"/>
+            <a:off x="-280800" y="-25560"/>
+            <a:ext cx="704160" cy="703800"/>
           </a:xfrm>
           <a:prstGeom prst="roundRect">
             <a:avLst>
@@ -10496,7 +10496,7 @@
         <p:spPr>
           <a:xfrm rot="2625600">
             <a:off x="4861080" y="4146840"/>
-            <a:ext cx="468360" cy="468360"/>
+            <a:ext cx="468000" cy="468000"/>
           </a:xfrm>
           <a:prstGeom prst="roundRect">
             <a:avLst>
@@ -10570,8 +10570,8 @@
         </p:nvSpPr>
         <p:spPr>
           <a:xfrm rot="2744400">
-            <a:off x="-350280" y="4539960"/>
-            <a:ext cx="704520" cy="704160"/>
+            <a:off x="-349920" y="4539960"/>
+            <a:ext cx="704160" cy="703800"/>
           </a:xfrm>
           <a:prstGeom prst="roundRect">
             <a:avLst>
@@ -10608,8 +10608,8 @@
         </p:nvSpPr>
         <p:spPr>
           <a:xfrm rot="19228200">
-            <a:off x="5846400" y="-2266560"/>
-            <a:ext cx="4855320" cy="7726320"/>
+            <a:off x="5846040" y="-2266200"/>
+            <a:ext cx="4854960" cy="7725960"/>
           </a:xfrm>
           <a:prstGeom prst="roundRect">
             <a:avLst>
@@ -10647,9 +10647,9 @@
         <p:grpSpPr>
           <a:xfrm>
             <a:off x="4571640" y="828000"/>
-            <a:ext cx="4468320" cy="3564360"/>
+            <a:ext cx="4467960" cy="3564000"/>
             <a:chOff x="4571640" y="828000"/>
-            <a:chExt cx="4468320" cy="3564360"/>
+            <a:chExt cx="4467960" cy="3564000"/>
           </a:xfrm>
         </p:grpSpPr>
         <p:pic>
@@ -10665,7 +10665,7 @@
           <p:spPr>
             <a:xfrm>
               <a:off x="4571640" y="828000"/>
-              <a:ext cx="4468320" cy="3564360"/>
+              <a:ext cx="4467960" cy="3564000"/>
             </a:xfrm>
             <a:prstGeom prst="rect">
               <a:avLst/>
@@ -10683,8 +10683,8 @@
           </p:nvSpPr>
           <p:spPr>
             <a:xfrm rot="16200000">
-              <a:off x="5962680" y="1158840"/>
-              <a:ext cx="1737360" cy="2771280"/>
+              <a:off x="5962680" y="1159200"/>
+              <a:ext cx="1737000" cy="2770920"/>
             </a:xfrm>
             <a:prstGeom prst="roundRect">
               <a:avLst>
@@ -10751,7 +10751,7 @@
         <p:spPr>
           <a:xfrm>
             <a:off x="586440" y="1246680"/>
-            <a:ext cx="4004280" cy="3600000"/>
+            <a:ext cx="4003920" cy="3599640"/>
           </a:xfrm>
           <a:prstGeom prst="rect">
             <a:avLst/>
@@ -10803,7 +10803,7 @@
         <p:spPr>
           <a:xfrm>
             <a:off x="5446080" y="1672200"/>
-            <a:ext cx="2780280" cy="1737360"/>
+            <a:ext cx="2779920" cy="1737000"/>
           </a:xfrm>
           <a:prstGeom prst="rect">
             <a:avLst/>
@@ -10855,7 +10855,7 @@
         <p:spPr>
           <a:xfrm>
             <a:off x="586440" y="453960"/>
-            <a:ext cx="3696840" cy="855360"/>
+            <a:ext cx="3696480" cy="855000"/>
           </a:xfrm>
           <a:prstGeom prst="rect">
             <a:avLst/>
@@ -10944,7 +10944,7 @@
         <p:spPr>
           <a:xfrm>
             <a:off x="4222080" y="1246680"/>
-            <a:ext cx="4115160" cy="3600000"/>
+            <a:ext cx="4114800" cy="3599640"/>
           </a:xfrm>
           <a:prstGeom prst="rect">
             <a:avLst/>
@@ -10995,8 +10995,8 @@
         </p:nvSpPr>
         <p:spPr>
           <a:xfrm rot="16200000">
-            <a:off x="-2181600" y="1733400"/>
-            <a:ext cx="5144040" cy="1684080"/>
+            <a:off x="-2181600" y="1733760"/>
+            <a:ext cx="5143680" cy="1683720"/>
           </a:xfrm>
           <a:prstGeom prst="roundRect">
             <a:avLst>
@@ -11033,8 +11033,8 @@
         </p:nvSpPr>
         <p:spPr>
           <a:xfrm rot="2745000">
-            <a:off x="8575200" y="103680"/>
-            <a:ext cx="1132560" cy="1132200"/>
+            <a:off x="8575200" y="103320"/>
+            <a:ext cx="1132200" cy="1131840"/>
           </a:xfrm>
           <a:prstGeom prst="roundRect">
             <a:avLst>
@@ -11071,8 +11071,8 @@
         </p:nvSpPr>
         <p:spPr>
           <a:xfrm rot="16200000">
-            <a:off x="614880" y="918720"/>
-            <a:ext cx="3232080" cy="3313800"/>
+            <a:off x="614880" y="919080"/>
+            <a:ext cx="3231720" cy="3313440"/>
           </a:xfrm>
           <a:prstGeom prst="roundRect">
             <a:avLst>
@@ -11138,7 +11138,7 @@
         <p:spPr>
           <a:xfrm>
             <a:off x="4214160" y="456120"/>
-            <a:ext cx="4111920" cy="855360"/>
+            <a:ext cx="4111560" cy="855000"/>
           </a:xfrm>
           <a:prstGeom prst="rect">
             <a:avLst/>
@@ -11220,7 +11220,7 @@
         <p:spPr>
           <a:xfrm>
             <a:off x="586440" y="1246680"/>
-            <a:ext cx="4004280" cy="3600000"/>
+            <a:ext cx="4003920" cy="3599640"/>
           </a:xfrm>
           <a:prstGeom prst="rect">
             <a:avLst/>
@@ -11272,7 +11272,7 @@
         <p:spPr>
           <a:xfrm>
             <a:off x="559800" y="446040"/>
-            <a:ext cx="4283640" cy="683640"/>
+            <a:ext cx="4283280" cy="683280"/>
           </a:xfrm>
           <a:prstGeom prst="rect">
             <a:avLst/>
@@ -11324,7 +11324,7 @@
         <p:spPr>
           <a:xfrm>
             <a:off x="5097600" y="360"/>
-            <a:ext cx="4379760" cy="5144040"/>
+            <a:ext cx="4379400" cy="5143680"/>
           </a:xfrm>
           <a:prstGeom prst="roundRect">
             <a:avLst>
@@ -11389,8 +11389,8 @@
         </p:nvSpPr>
         <p:spPr>
           <a:xfrm rot="2744400">
-            <a:off x="-281160" y="-25920"/>
-            <a:ext cx="704520" cy="704160"/>
+            <a:off x="-280800" y="-25560"/>
+            <a:ext cx="704160" cy="703800"/>
           </a:xfrm>
           <a:prstGeom prst="roundRect">
             <a:avLst>
@@ -11428,7 +11428,7 @@
         <p:spPr>
           <a:xfrm rot="2625600">
             <a:off x="4861080" y="4146840"/>
-            <a:ext cx="468360" cy="468360"/>
+            <a:ext cx="468000" cy="468000"/>
           </a:xfrm>
           <a:prstGeom prst="roundRect">
             <a:avLst>
@@ -11502,8 +11502,8 @@
         </p:nvSpPr>
         <p:spPr>
           <a:xfrm rot="2744400">
-            <a:off x="-281160" y="-25920"/>
-            <a:ext cx="704520" cy="704160"/>
+            <a:off x="-280800" y="-25560"/>
+            <a:ext cx="704160" cy="703800"/>
           </a:xfrm>
           <a:prstGeom prst="roundRect">
             <a:avLst>
@@ -11541,7 +11541,7 @@
         <p:spPr>
           <a:xfrm rot="2332200">
             <a:off x="6009480" y="-319680"/>
-            <a:ext cx="4855680" cy="7726680"/>
+            <a:ext cx="4855320" cy="7726320"/>
           </a:xfrm>
           <a:prstGeom prst="roundRect">
             <a:avLst>
@@ -11579,9 +11579,9 @@
         <p:grpSpPr>
           <a:xfrm>
             <a:off x="4571640" y="828000"/>
-            <a:ext cx="4468320" cy="3564360"/>
+            <a:ext cx="4467960" cy="3564000"/>
             <a:chOff x="4571640" y="828000"/>
-            <a:chExt cx="4468320" cy="3564360"/>
+            <a:chExt cx="4467960" cy="3564000"/>
           </a:xfrm>
         </p:grpSpPr>
         <p:pic>
@@ -11597,7 +11597,7 @@
           <p:spPr>
             <a:xfrm>
               <a:off x="4571640" y="828000"/>
-              <a:ext cx="4468320" cy="3564360"/>
+              <a:ext cx="4467960" cy="3564000"/>
             </a:xfrm>
             <a:prstGeom prst="rect">
               <a:avLst/>
@@ -11615,8 +11615,8 @@
           </p:nvSpPr>
           <p:spPr>
             <a:xfrm rot="16200000">
-              <a:off x="5962680" y="1158840"/>
-              <a:ext cx="1737360" cy="2771280"/>
+              <a:off x="5962680" y="1159200"/>
+              <a:ext cx="1737000" cy="2770920"/>
             </a:xfrm>
             <a:prstGeom prst="roundRect">
               <a:avLst>
@@ -11683,7 +11683,7 @@
         <p:spPr>
           <a:xfrm>
             <a:off x="5446080" y="1672200"/>
-            <a:ext cx="2770920" cy="1737360"/>
+            <a:ext cx="2770560" cy="1737000"/>
           </a:xfrm>
           <a:prstGeom prst="rect">
             <a:avLst/>
@@ -11735,7 +11735,7 @@
         <p:spPr>
           <a:xfrm>
             <a:off x="586440" y="1246680"/>
-            <a:ext cx="4004280" cy="3600000"/>
+            <a:ext cx="4003920" cy="3599640"/>
           </a:xfrm>
           <a:prstGeom prst="rect">
             <a:avLst/>
@@ -11787,7 +11787,7 @@
         <p:spPr>
           <a:xfrm>
             <a:off x="586440" y="453960"/>
-            <a:ext cx="4764240" cy="855360"/>
+            <a:ext cx="4763880" cy="855000"/>
           </a:xfrm>
           <a:prstGeom prst="rect">
             <a:avLst/>
@@ -11876,7 +11876,7 @@
         <p:spPr>
           <a:xfrm rot="2745600">
             <a:off x="8349840" y="-668160"/>
-            <a:ext cx="1498320" cy="1498320"/>
+            <a:ext cx="1497960" cy="1497960"/>
           </a:xfrm>
           <a:prstGeom prst="roundRect">
             <a:avLst>
@@ -11914,7 +11914,7 @@
         <p:spPr>
           <a:xfrm rot="2745600">
             <a:off x="7634160" y="-322200"/>
-            <a:ext cx="807120" cy="807480"/>
+            <a:ext cx="806760" cy="807120"/>
           </a:xfrm>
           <a:prstGeom prst="roundRect">
             <a:avLst>
@@ -11953,7 +11953,7 @@
         <p:spPr>
           <a:xfrm>
             <a:off x="586440" y="899640"/>
-            <a:ext cx="7931880" cy="1537200"/>
+            <a:ext cx="7931520" cy="1536840"/>
           </a:xfrm>
           <a:prstGeom prst="rect">
             <a:avLst/>
@@ -12005,7 +12005,7 @@
         <p:spPr>
           <a:xfrm>
             <a:off x="608040" y="2545560"/>
-            <a:ext cx="3712320" cy="2255760"/>
+            <a:ext cx="3711960" cy="2255400"/>
           </a:xfrm>
           <a:prstGeom prst="rect">
             <a:avLst/>
@@ -12057,7 +12057,7 @@
         <p:spPr>
           <a:xfrm>
             <a:off x="4806360" y="2545560"/>
-            <a:ext cx="3712320" cy="2255760"/>
+            <a:ext cx="3711960" cy="2255400"/>
           </a:xfrm>
           <a:prstGeom prst="rect">
             <a:avLst/>
@@ -12109,7 +12109,7 @@
         <p:spPr>
           <a:xfrm>
             <a:off x="583200" y="450720"/>
-            <a:ext cx="7198200" cy="512280"/>
+            <a:ext cx="7197840" cy="511920"/>
           </a:xfrm>
           <a:prstGeom prst="rect">
             <a:avLst/>
@@ -12191,7 +12191,7 @@
         <p:spPr>
           <a:xfrm>
             <a:off x="586440" y="1246680"/>
-            <a:ext cx="4004280" cy="3600000"/>
+            <a:ext cx="4003920" cy="3599640"/>
           </a:xfrm>
           <a:prstGeom prst="rect">
             <a:avLst/>
@@ -12243,7 +12243,7 @@
         <p:spPr>
           <a:xfrm>
             <a:off x="559800" y="446040"/>
-            <a:ext cx="4283640" cy="683640"/>
+            <a:ext cx="4283280" cy="683280"/>
           </a:xfrm>
           <a:prstGeom prst="rect">
             <a:avLst/>
@@ -12295,7 +12295,7 @@
         <p:spPr>
           <a:xfrm>
             <a:off x="5097600" y="360"/>
-            <a:ext cx="4379760" cy="5144040"/>
+            <a:ext cx="4379400" cy="5143680"/>
           </a:xfrm>
           <a:prstGeom prst="roundRect">
             <a:avLst>
@@ -12360,8 +12360,8 @@
         </p:nvSpPr>
         <p:spPr>
           <a:xfrm rot="2744400">
-            <a:off x="-281160" y="-25920"/>
-            <a:ext cx="704520" cy="704160"/>
+            <a:off x="-280800" y="-25560"/>
+            <a:ext cx="704160" cy="703800"/>
           </a:xfrm>
           <a:prstGeom prst="roundRect">
             <a:avLst>
@@ -12399,7 +12399,7 @@
         <p:spPr>
           <a:xfrm rot="2625600">
             <a:off x="4861080" y="4146840"/>
-            <a:ext cx="468360" cy="468360"/>
+            <a:ext cx="468000" cy="468000"/>
           </a:xfrm>
           <a:prstGeom prst="roundRect">
             <a:avLst>
@@ -12473,8 +12473,8 @@
         </p:nvSpPr>
         <p:spPr>
           <a:xfrm rot="2744400">
-            <a:off x="-350280" y="4539960"/>
-            <a:ext cx="704520" cy="704160"/>
+            <a:off x="-349920" y="4539960"/>
+            <a:ext cx="704160" cy="703800"/>
           </a:xfrm>
           <a:prstGeom prst="roundRect">
             <a:avLst>
@@ -12511,8 +12511,8 @@
         </p:nvSpPr>
         <p:spPr>
           <a:xfrm rot="19228200">
-            <a:off x="5846400" y="-2266560"/>
-            <a:ext cx="4855320" cy="7726320"/>
+            <a:off x="5846040" y="-2266200"/>
+            <a:ext cx="4854960" cy="7725960"/>
           </a:xfrm>
           <a:prstGeom prst="roundRect">
             <a:avLst>
@@ -12550,9 +12550,9 @@
         <p:grpSpPr>
           <a:xfrm>
             <a:off x="4571640" y="828000"/>
-            <a:ext cx="4468320" cy="3564360"/>
+            <a:ext cx="4467960" cy="3564000"/>
             <a:chOff x="4571640" y="828000"/>
-            <a:chExt cx="4468320" cy="3564360"/>
+            <a:chExt cx="4467960" cy="3564000"/>
           </a:xfrm>
         </p:grpSpPr>
         <p:pic>
@@ -12568,7 +12568,7 @@
           <p:spPr>
             <a:xfrm>
               <a:off x="4571640" y="828000"/>
-              <a:ext cx="4468320" cy="3564360"/>
+              <a:ext cx="4467960" cy="3564000"/>
             </a:xfrm>
             <a:prstGeom prst="rect">
               <a:avLst/>
@@ -12586,8 +12586,8 @@
           </p:nvSpPr>
           <p:spPr>
             <a:xfrm rot="16200000">
-              <a:off x="5962680" y="1158840"/>
-              <a:ext cx="1737360" cy="2771280"/>
+              <a:off x="5962680" y="1159200"/>
+              <a:ext cx="1737000" cy="2770920"/>
             </a:xfrm>
             <a:prstGeom prst="roundRect">
               <a:avLst>
@@ -12654,7 +12654,7 @@
         <p:spPr>
           <a:xfrm>
             <a:off x="586440" y="1246680"/>
-            <a:ext cx="4004280" cy="3600000"/>
+            <a:ext cx="4003920" cy="3599640"/>
           </a:xfrm>
           <a:prstGeom prst="rect">
             <a:avLst/>
@@ -12706,7 +12706,7 @@
         <p:spPr>
           <a:xfrm>
             <a:off x="5446080" y="1672200"/>
-            <a:ext cx="2780280" cy="1737360"/>
+            <a:ext cx="2779920" cy="1737000"/>
           </a:xfrm>
           <a:prstGeom prst="rect">
             <a:avLst/>
@@ -12758,7 +12758,7 @@
         <p:spPr>
           <a:xfrm>
             <a:off x="586440" y="453960"/>
-            <a:ext cx="3696840" cy="855360"/>
+            <a:ext cx="3696480" cy="855000"/>
           </a:xfrm>
           <a:prstGeom prst="rect">
             <a:avLst/>
@@ -12847,7 +12847,7 @@
         <p:spPr>
           <a:xfrm>
             <a:off x="4222080" y="1246680"/>
-            <a:ext cx="4115160" cy="3600000"/>
+            <a:ext cx="4114800" cy="3599640"/>
           </a:xfrm>
           <a:prstGeom prst="rect">
             <a:avLst/>
@@ -12898,8 +12898,8 @@
         </p:nvSpPr>
         <p:spPr>
           <a:xfrm rot="16200000">
-            <a:off x="-2181600" y="1733400"/>
-            <a:ext cx="5144040" cy="1684080"/>
+            <a:off x="-2181600" y="1733760"/>
+            <a:ext cx="5143680" cy="1683720"/>
           </a:xfrm>
           <a:prstGeom prst="roundRect">
             <a:avLst>
@@ -12936,8 +12936,8 @@
         </p:nvSpPr>
         <p:spPr>
           <a:xfrm rot="2745000">
-            <a:off x="8575200" y="103680"/>
-            <a:ext cx="1132560" cy="1132200"/>
+            <a:off x="8575200" y="103320"/>
+            <a:ext cx="1132200" cy="1131840"/>
           </a:xfrm>
           <a:prstGeom prst="roundRect">
             <a:avLst>
@@ -12974,8 +12974,8 @@
         </p:nvSpPr>
         <p:spPr>
           <a:xfrm rot="16200000">
-            <a:off x="614880" y="918720"/>
-            <a:ext cx="3232080" cy="3313800"/>
+            <a:off x="614880" y="919080"/>
+            <a:ext cx="3231720" cy="3313440"/>
           </a:xfrm>
           <a:prstGeom prst="roundRect">
             <a:avLst>
@@ -13041,7 +13041,7 @@
         <p:spPr>
           <a:xfrm>
             <a:off x="4214160" y="456120"/>
-            <a:ext cx="4111920" cy="855360"/>
+            <a:ext cx="4111560" cy="855000"/>
           </a:xfrm>
           <a:prstGeom prst="rect">
             <a:avLst/>
@@ -13129,8 +13129,8 @@
         </p:nvSpPr>
         <p:spPr>
           <a:xfrm rot="2744400">
-            <a:off x="-281160" y="-25920"/>
-            <a:ext cx="704520" cy="704160"/>
+            <a:off x="-280800" y="-25560"/>
+            <a:ext cx="704160" cy="703800"/>
           </a:xfrm>
           <a:prstGeom prst="roundRect">
             <a:avLst>
@@ -13168,7 +13168,7 @@
         <p:spPr>
           <a:xfrm rot="2332200">
             <a:off x="6009480" y="-319680"/>
-            <a:ext cx="4855680" cy="7726680"/>
+            <a:ext cx="4855320" cy="7726320"/>
           </a:xfrm>
           <a:prstGeom prst="roundRect">
             <a:avLst>
@@ -13206,9 +13206,9 @@
         <p:grpSpPr>
           <a:xfrm>
             <a:off x="4571640" y="828000"/>
-            <a:ext cx="4468320" cy="3564360"/>
+            <a:ext cx="4467960" cy="3564000"/>
             <a:chOff x="4571640" y="828000"/>
-            <a:chExt cx="4468320" cy="3564360"/>
+            <a:chExt cx="4467960" cy="3564000"/>
           </a:xfrm>
         </p:grpSpPr>
         <p:pic>
@@ -13224,7 +13224,7 @@
           <p:spPr>
             <a:xfrm>
               <a:off x="4571640" y="828000"/>
-              <a:ext cx="4468320" cy="3564360"/>
+              <a:ext cx="4467960" cy="3564000"/>
             </a:xfrm>
             <a:prstGeom prst="rect">
               <a:avLst/>
@@ -13242,8 +13242,8 @@
           </p:nvSpPr>
           <p:spPr>
             <a:xfrm rot="16200000">
-              <a:off x="5962680" y="1158840"/>
-              <a:ext cx="1737360" cy="2771280"/>
+              <a:off x="5962680" y="1159200"/>
+              <a:ext cx="1737000" cy="2770920"/>
             </a:xfrm>
             <a:prstGeom prst="roundRect">
               <a:avLst>
@@ -13310,7 +13310,7 @@
         <p:spPr>
           <a:xfrm>
             <a:off x="5446080" y="1672200"/>
-            <a:ext cx="2770920" cy="1737360"/>
+            <a:ext cx="2770560" cy="1737000"/>
           </a:xfrm>
           <a:prstGeom prst="rect">
             <a:avLst/>
@@ -13362,7 +13362,7 @@
         <p:spPr>
           <a:xfrm>
             <a:off x="586440" y="1246680"/>
-            <a:ext cx="4004280" cy="3600000"/>
+            <a:ext cx="4003920" cy="3599640"/>
           </a:xfrm>
           <a:prstGeom prst="rect">
             <a:avLst/>
@@ -13414,7 +13414,7 @@
         <p:spPr>
           <a:xfrm>
             <a:off x="586440" y="453960"/>
-            <a:ext cx="4764240" cy="855360"/>
+            <a:ext cx="4763880" cy="855000"/>
           </a:xfrm>
           <a:prstGeom prst="rect">
             <a:avLst/>
@@ -13503,7 +13503,7 @@
         <p:spPr>
           <a:xfrm rot="2745600">
             <a:off x="8349840" y="-668160"/>
-            <a:ext cx="1498320" cy="1498320"/>
+            <a:ext cx="1497960" cy="1497960"/>
           </a:xfrm>
           <a:prstGeom prst="roundRect">
             <a:avLst>
@@ -13541,7 +13541,7 @@
         <p:spPr>
           <a:xfrm rot="2745600">
             <a:off x="7634160" y="-322200"/>
-            <a:ext cx="807120" cy="807480"/>
+            <a:ext cx="806760" cy="807120"/>
           </a:xfrm>
           <a:prstGeom prst="roundRect">
             <a:avLst>
@@ -13580,7 +13580,7 @@
         <p:spPr>
           <a:xfrm>
             <a:off x="586440" y="899640"/>
-            <a:ext cx="7931880" cy="1537200"/>
+            <a:ext cx="7931520" cy="1536840"/>
           </a:xfrm>
           <a:prstGeom prst="rect">
             <a:avLst/>
@@ -13632,7 +13632,7 @@
         <p:spPr>
           <a:xfrm>
             <a:off x="608040" y="2545560"/>
-            <a:ext cx="3712320" cy="2255760"/>
+            <a:ext cx="3711960" cy="2255400"/>
           </a:xfrm>
           <a:prstGeom prst="rect">
             <a:avLst/>
@@ -13684,7 +13684,7 @@
         <p:spPr>
           <a:xfrm>
             <a:off x="4806360" y="2545560"/>
-            <a:ext cx="3712320" cy="2255760"/>
+            <a:ext cx="3711960" cy="2255400"/>
           </a:xfrm>
           <a:prstGeom prst="rect">
             <a:avLst/>
@@ -13736,7 +13736,7 @@
         <p:spPr>
           <a:xfrm>
             <a:off x="583200" y="450720"/>
-            <a:ext cx="7198200" cy="512280"/>
+            <a:ext cx="7197840" cy="511920"/>
           </a:xfrm>
           <a:prstGeom prst="rect">
             <a:avLst/>
@@ -13818,7 +13818,7 @@
         <p:spPr>
           <a:xfrm>
             <a:off x="586440" y="1246680"/>
-            <a:ext cx="4004280" cy="3600000"/>
+            <a:ext cx="4003920" cy="3599640"/>
           </a:xfrm>
           <a:prstGeom prst="rect">
             <a:avLst/>
@@ -13870,7 +13870,7 @@
         <p:spPr>
           <a:xfrm>
             <a:off x="559800" y="446040"/>
-            <a:ext cx="4283640" cy="683640"/>
+            <a:ext cx="4283280" cy="683280"/>
           </a:xfrm>
           <a:prstGeom prst="rect">
             <a:avLst/>
@@ -13922,7 +13922,7 @@
         <p:spPr>
           <a:xfrm>
             <a:off x="5097600" y="360"/>
-            <a:ext cx="4379760" cy="5144040"/>
+            <a:ext cx="4379400" cy="5143680"/>
           </a:xfrm>
           <a:prstGeom prst="roundRect">
             <a:avLst>
@@ -13987,8 +13987,8 @@
         </p:nvSpPr>
         <p:spPr>
           <a:xfrm rot="2744400">
-            <a:off x="-281160" y="-25920"/>
-            <a:ext cx="704520" cy="704160"/>
+            <a:off x="-280800" y="-25560"/>
+            <a:ext cx="704160" cy="703800"/>
           </a:xfrm>
           <a:prstGeom prst="roundRect">
             <a:avLst>
@@ -14026,7 +14026,7 @@
         <p:spPr>
           <a:xfrm rot="2625600">
             <a:off x="4861080" y="4146840"/>
-            <a:ext cx="468360" cy="468360"/>
+            <a:ext cx="468000" cy="468000"/>
           </a:xfrm>
           <a:prstGeom prst="roundRect">
             <a:avLst>
@@ -14100,8 +14100,8 @@
         </p:nvSpPr>
         <p:spPr>
           <a:xfrm rot="2744400">
-            <a:off x="-350280" y="4539960"/>
-            <a:ext cx="704520" cy="704160"/>
+            <a:off x="-349920" y="4539960"/>
+            <a:ext cx="704160" cy="703800"/>
           </a:xfrm>
           <a:prstGeom prst="roundRect">
             <a:avLst>
@@ -14138,8 +14138,8 @@
         </p:nvSpPr>
         <p:spPr>
           <a:xfrm rot="19228200">
-            <a:off x="5846400" y="-2266560"/>
-            <a:ext cx="4855320" cy="7726320"/>
+            <a:off x="5846040" y="-2266200"/>
+            <a:ext cx="4854960" cy="7725960"/>
           </a:xfrm>
           <a:prstGeom prst="roundRect">
             <a:avLst>
@@ -14177,9 +14177,9 @@
         <p:grpSpPr>
           <a:xfrm>
             <a:off x="4571640" y="828000"/>
-            <a:ext cx="4468320" cy="3564360"/>
+            <a:ext cx="4467960" cy="3564000"/>
             <a:chOff x="4571640" y="828000"/>
-            <a:chExt cx="4468320" cy="3564360"/>
+            <a:chExt cx="4467960" cy="3564000"/>
           </a:xfrm>
         </p:grpSpPr>
         <p:pic>
@@ -14195,7 +14195,7 @@
           <p:spPr>
             <a:xfrm>
               <a:off x="4571640" y="828000"/>
-              <a:ext cx="4468320" cy="3564360"/>
+              <a:ext cx="4467960" cy="3564000"/>
             </a:xfrm>
             <a:prstGeom prst="rect">
               <a:avLst/>
@@ -14213,8 +14213,8 @@
           </p:nvSpPr>
           <p:spPr>
             <a:xfrm rot="16200000">
-              <a:off x="5962680" y="1158840"/>
-              <a:ext cx="1737360" cy="2771280"/>
+              <a:off x="5962680" y="1159200"/>
+              <a:ext cx="1737000" cy="2770920"/>
             </a:xfrm>
             <a:prstGeom prst="roundRect">
               <a:avLst>
@@ -14281,7 +14281,7 @@
         <p:spPr>
           <a:xfrm>
             <a:off x="586440" y="1246680"/>
-            <a:ext cx="4004280" cy="3600000"/>
+            <a:ext cx="4003920" cy="3599640"/>
           </a:xfrm>
           <a:prstGeom prst="rect">
             <a:avLst/>
@@ -14333,7 +14333,7 @@
         <p:spPr>
           <a:xfrm>
             <a:off x="5446080" y="1672200"/>
-            <a:ext cx="2780280" cy="1737360"/>
+            <a:ext cx="2779920" cy="1737000"/>
           </a:xfrm>
           <a:prstGeom prst="rect">
             <a:avLst/>
@@ -14385,7 +14385,7 @@
         <p:spPr>
           <a:xfrm>
             <a:off x="586440" y="453960"/>
-            <a:ext cx="3696840" cy="855360"/>
+            <a:ext cx="3696480" cy="855000"/>
           </a:xfrm>
           <a:prstGeom prst="rect">
             <a:avLst/>
@@ -14474,7 +14474,7 @@
         <p:spPr>
           <a:xfrm>
             <a:off x="4222080" y="1246680"/>
-            <a:ext cx="4115160" cy="3600000"/>
+            <a:ext cx="4114800" cy="3599640"/>
           </a:xfrm>
           <a:prstGeom prst="rect">
             <a:avLst/>
@@ -14525,8 +14525,8 @@
         </p:nvSpPr>
         <p:spPr>
           <a:xfrm rot="16200000">
-            <a:off x="-2181600" y="1733400"/>
-            <a:ext cx="5144040" cy="1684080"/>
+            <a:off x="-2181600" y="1733760"/>
+            <a:ext cx="5143680" cy="1683720"/>
           </a:xfrm>
           <a:prstGeom prst="roundRect">
             <a:avLst>
@@ -14563,8 +14563,8 @@
         </p:nvSpPr>
         <p:spPr>
           <a:xfrm rot="2745000">
-            <a:off x="8575200" y="103680"/>
-            <a:ext cx="1132560" cy="1132200"/>
+            <a:off x="8575200" y="103320"/>
+            <a:ext cx="1132200" cy="1131840"/>
           </a:xfrm>
           <a:prstGeom prst="roundRect">
             <a:avLst>
@@ -14601,8 +14601,8 @@
         </p:nvSpPr>
         <p:spPr>
           <a:xfrm rot="16200000">
-            <a:off x="614880" y="918720"/>
-            <a:ext cx="3232080" cy="3313800"/>
+            <a:off x="614880" y="919080"/>
+            <a:ext cx="3231720" cy="3313440"/>
           </a:xfrm>
           <a:prstGeom prst="roundRect">
             <a:avLst>
@@ -14668,7 +14668,7 @@
         <p:spPr>
           <a:xfrm>
             <a:off x="4214160" y="456120"/>
-            <a:ext cx="4111920" cy="855360"/>
+            <a:ext cx="4111560" cy="855000"/>
           </a:xfrm>
           <a:prstGeom prst="rect">
             <a:avLst/>
@@ -14756,8 +14756,8 @@
         </p:nvSpPr>
         <p:spPr>
           <a:xfrm rot="2744400">
-            <a:off x="-350280" y="4539960"/>
-            <a:ext cx="704520" cy="704160"/>
+            <a:off x="-349920" y="4539960"/>
+            <a:ext cx="704160" cy="703800"/>
           </a:xfrm>
           <a:prstGeom prst="roundRect">
             <a:avLst>
@@ -14794,8 +14794,8 @@
         </p:nvSpPr>
         <p:spPr>
           <a:xfrm rot="19228200">
-            <a:off x="5846400" y="-2266560"/>
-            <a:ext cx="4855320" cy="7726320"/>
+            <a:off x="5846040" y="-2266200"/>
+            <a:ext cx="4854960" cy="7725960"/>
           </a:xfrm>
           <a:prstGeom prst="roundRect">
             <a:avLst>
@@ -14833,9 +14833,9 @@
         <p:grpSpPr>
           <a:xfrm>
             <a:off x="4571640" y="828000"/>
-            <a:ext cx="4468320" cy="3564360"/>
+            <a:ext cx="4467960" cy="3564000"/>
             <a:chOff x="4571640" y="828000"/>
-            <a:chExt cx="4468320" cy="3564360"/>
+            <a:chExt cx="4467960" cy="3564000"/>
           </a:xfrm>
         </p:grpSpPr>
         <p:pic>
@@ -14851,7 +14851,7 @@
           <p:spPr>
             <a:xfrm>
               <a:off x="4571640" y="828000"/>
-              <a:ext cx="4468320" cy="3564360"/>
+              <a:ext cx="4467960" cy="3564000"/>
             </a:xfrm>
             <a:prstGeom prst="rect">
               <a:avLst/>
@@ -14869,8 +14869,8 @@
           </p:nvSpPr>
           <p:spPr>
             <a:xfrm rot="16200000">
-              <a:off x="5962680" y="1158840"/>
-              <a:ext cx="1737360" cy="2771280"/>
+              <a:off x="5962680" y="1159200"/>
+              <a:ext cx="1737000" cy="2770920"/>
             </a:xfrm>
             <a:prstGeom prst="roundRect">
               <a:avLst>
@@ -14937,7 +14937,7 @@
         <p:spPr>
           <a:xfrm>
             <a:off x="586440" y="1246680"/>
-            <a:ext cx="4004280" cy="3600000"/>
+            <a:ext cx="4003920" cy="3599640"/>
           </a:xfrm>
           <a:prstGeom prst="rect">
             <a:avLst/>
@@ -14989,7 +14989,7 @@
         <p:spPr>
           <a:xfrm>
             <a:off x="5446080" y="1672200"/>
-            <a:ext cx="2780280" cy="1737360"/>
+            <a:ext cx="2779920" cy="1737000"/>
           </a:xfrm>
           <a:prstGeom prst="rect">
             <a:avLst/>
@@ -15041,7 +15041,7 @@
         <p:spPr>
           <a:xfrm>
             <a:off x="586440" y="453960"/>
-            <a:ext cx="3696840" cy="855360"/>
+            <a:ext cx="3696480" cy="855000"/>
           </a:xfrm>
           <a:prstGeom prst="rect">
             <a:avLst/>
@@ -15129,8 +15129,8 @@
         </p:nvSpPr>
         <p:spPr>
           <a:xfrm rot="2744400">
-            <a:off x="-281160" y="-25920"/>
-            <a:ext cx="704520" cy="704160"/>
+            <a:off x="-280800" y="-25560"/>
+            <a:ext cx="704160" cy="703800"/>
           </a:xfrm>
           <a:prstGeom prst="roundRect">
             <a:avLst>
@@ -15168,7 +15168,7 @@
         <p:spPr>
           <a:xfrm rot="2332200">
             <a:off x="6009480" y="-319680"/>
-            <a:ext cx="4855680" cy="7726680"/>
+            <a:ext cx="4855320" cy="7726320"/>
           </a:xfrm>
           <a:prstGeom prst="roundRect">
             <a:avLst>
@@ -15206,9 +15206,9 @@
         <p:grpSpPr>
           <a:xfrm>
             <a:off x="4571640" y="828000"/>
-            <a:ext cx="4468320" cy="3564360"/>
+            <a:ext cx="4467960" cy="3564000"/>
             <a:chOff x="4571640" y="828000"/>
-            <a:chExt cx="4468320" cy="3564360"/>
+            <a:chExt cx="4467960" cy="3564000"/>
           </a:xfrm>
         </p:grpSpPr>
         <p:pic>
@@ -15224,7 +15224,7 @@
           <p:spPr>
             <a:xfrm>
               <a:off x="4571640" y="828000"/>
-              <a:ext cx="4468320" cy="3564360"/>
+              <a:ext cx="4467960" cy="3564000"/>
             </a:xfrm>
             <a:prstGeom prst="rect">
               <a:avLst/>
@@ -15242,8 +15242,8 @@
           </p:nvSpPr>
           <p:spPr>
             <a:xfrm rot="16200000">
-              <a:off x="5962680" y="1158840"/>
-              <a:ext cx="1737360" cy="2771280"/>
+              <a:off x="5962680" y="1159200"/>
+              <a:ext cx="1737000" cy="2770920"/>
             </a:xfrm>
             <a:prstGeom prst="roundRect">
               <a:avLst>
@@ -15310,7 +15310,7 @@
         <p:spPr>
           <a:xfrm>
             <a:off x="5446080" y="1672200"/>
-            <a:ext cx="2770920" cy="1737360"/>
+            <a:ext cx="2770560" cy="1737000"/>
           </a:xfrm>
           <a:prstGeom prst="rect">
             <a:avLst/>
@@ -15362,7 +15362,7 @@
         <p:spPr>
           <a:xfrm>
             <a:off x="586440" y="1246680"/>
-            <a:ext cx="4004280" cy="3600000"/>
+            <a:ext cx="4003920" cy="3599640"/>
           </a:xfrm>
           <a:prstGeom prst="rect">
             <a:avLst/>
@@ -15414,7 +15414,7 @@
         <p:spPr>
           <a:xfrm>
             <a:off x="586440" y="453960"/>
-            <a:ext cx="4764240" cy="855360"/>
+            <a:ext cx="4763880" cy="855000"/>
           </a:xfrm>
           <a:prstGeom prst="rect">
             <a:avLst/>
@@ -15503,7 +15503,7 @@
         <p:spPr>
           <a:xfrm rot="2745600">
             <a:off x="8349840" y="-668160"/>
-            <a:ext cx="1498320" cy="1498320"/>
+            <a:ext cx="1497960" cy="1497960"/>
           </a:xfrm>
           <a:prstGeom prst="roundRect">
             <a:avLst>
@@ -15541,7 +15541,7 @@
         <p:spPr>
           <a:xfrm rot="2745600">
             <a:off x="7634160" y="-322200"/>
-            <a:ext cx="807120" cy="807480"/>
+            <a:ext cx="806760" cy="807120"/>
           </a:xfrm>
           <a:prstGeom prst="roundRect">
             <a:avLst>
@@ -15580,7 +15580,7 @@
         <p:spPr>
           <a:xfrm>
             <a:off x="586440" y="899640"/>
-            <a:ext cx="7931880" cy="1537200"/>
+            <a:ext cx="7931520" cy="1536840"/>
           </a:xfrm>
           <a:prstGeom prst="rect">
             <a:avLst/>
@@ -15632,7 +15632,7 @@
         <p:spPr>
           <a:xfrm>
             <a:off x="608040" y="2545560"/>
-            <a:ext cx="3712320" cy="2255760"/>
+            <a:ext cx="3711960" cy="2255400"/>
           </a:xfrm>
           <a:prstGeom prst="rect">
             <a:avLst/>
@@ -15684,7 +15684,7 @@
         <p:spPr>
           <a:xfrm>
             <a:off x="4806360" y="2545560"/>
-            <a:ext cx="3712320" cy="2255760"/>
+            <a:ext cx="3711960" cy="2255400"/>
           </a:xfrm>
           <a:prstGeom prst="rect">
             <a:avLst/>
@@ -15736,7 +15736,7 @@
         <p:spPr>
           <a:xfrm>
             <a:off x="583200" y="450720"/>
-            <a:ext cx="7198200" cy="512280"/>
+            <a:ext cx="7197840" cy="511920"/>
           </a:xfrm>
           <a:prstGeom prst="rect">
             <a:avLst/>
@@ -15824,8 +15824,8 @@
         </p:nvSpPr>
         <p:spPr>
           <a:xfrm rot="2744400">
-            <a:off x="-281160" y="-25920"/>
-            <a:ext cx="704520" cy="704160"/>
+            <a:off x="-280800" y="-25560"/>
+            <a:ext cx="704160" cy="703800"/>
           </a:xfrm>
           <a:prstGeom prst="roundRect">
             <a:avLst>
@@ -15863,7 +15863,7 @@
         <p:spPr>
           <a:xfrm>
             <a:off x="569160" y="1888920"/>
-            <a:ext cx="4821120" cy="820800"/>
+            <a:ext cx="4820760" cy="820800"/>
           </a:xfrm>
           <a:prstGeom prst="rect">
             <a:avLst/>
@@ -15915,7 +15915,7 @@
         <p:spPr>
           <a:xfrm rot="18679800">
             <a:off x="6782040" y="457560"/>
-            <a:ext cx="6250680" cy="4666320"/>
+            <a:ext cx="6250320" cy="4665960"/>
           </a:xfrm>
           <a:prstGeom prst="roundRect">
             <a:avLst>
@@ -15953,7 +15953,7 @@
         <p:spPr>
           <a:xfrm rot="2625600">
             <a:off x="6024960" y="4332960"/>
-            <a:ext cx="468360" cy="468360"/>
+            <a:ext cx="468000" cy="468000"/>
           </a:xfrm>
           <a:prstGeom prst="roundRect">
             <a:avLst>
@@ -15991,7 +15991,7 @@
         <p:spPr>
           <a:xfrm>
             <a:off x="1640880" y="4592880"/>
-            <a:ext cx="2995560" cy="266400"/>
+            <a:ext cx="2995200" cy="266040"/>
           </a:xfrm>
           <a:prstGeom prst="rect">
             <a:avLst/>
@@ -16053,7 +16053,7 @@
         <p:spPr>
           <a:xfrm>
             <a:off x="867240" y="3590280"/>
-            <a:ext cx="253440" cy="253800"/>
+            <a:ext cx="253080" cy="253440"/>
           </a:xfrm>
           <a:prstGeom prst="ellipse">
             <a:avLst/>
@@ -16088,7 +16088,7 @@
         <p:spPr>
           <a:xfrm>
             <a:off x="351000" y="3793320"/>
-            <a:ext cx="1285920" cy="1131480"/>
+            <a:ext cx="1285560" cy="1131120"/>
           </a:xfrm>
           <a:prstGeom prst="rect">
             <a:avLst/>
@@ -16144,7 +16144,7 @@
         <p:spPr>
           <a:xfrm>
             <a:off x="4222080" y="1246680"/>
-            <a:ext cx="4115160" cy="3600000"/>
+            <a:ext cx="4114800" cy="3599640"/>
           </a:xfrm>
           <a:prstGeom prst="rect">
             <a:avLst/>
@@ -16195,8 +16195,8 @@
         </p:nvSpPr>
         <p:spPr>
           <a:xfrm rot="16200000">
-            <a:off x="-2181600" y="1733400"/>
-            <a:ext cx="5144040" cy="1684080"/>
+            <a:off x="-2181600" y="1733760"/>
+            <a:ext cx="5143680" cy="1683720"/>
           </a:xfrm>
           <a:prstGeom prst="roundRect">
             <a:avLst>
@@ -16233,8 +16233,8 @@
         </p:nvSpPr>
         <p:spPr>
           <a:xfrm rot="2745000">
-            <a:off x="8575200" y="103680"/>
-            <a:ext cx="1132560" cy="1132200"/>
+            <a:off x="8575200" y="103320"/>
+            <a:ext cx="1132200" cy="1131840"/>
           </a:xfrm>
           <a:prstGeom prst="roundRect">
             <a:avLst>
@@ -16271,8 +16271,8 @@
         </p:nvSpPr>
         <p:spPr>
           <a:xfrm rot="16200000">
-            <a:off x="614880" y="918720"/>
-            <a:ext cx="3232080" cy="3313800"/>
+            <a:off x="614880" y="919080"/>
+            <a:ext cx="3231720" cy="3313440"/>
           </a:xfrm>
           <a:prstGeom prst="roundRect">
             <a:avLst>
@@ -16338,7 +16338,7 @@
         <p:spPr>
           <a:xfrm>
             <a:off x="4214160" y="456120"/>
-            <a:ext cx="4111920" cy="855360"/>
+            <a:ext cx="4111560" cy="855000"/>
           </a:xfrm>
           <a:prstGeom prst="rect">
             <a:avLst/>
@@ -16426,8 +16426,8 @@
         </p:nvSpPr>
         <p:spPr>
           <a:xfrm rot="2744400">
-            <a:off x="-281160" y="-25920"/>
-            <a:ext cx="704520" cy="704160"/>
+            <a:off x="-280800" y="-25560"/>
+            <a:ext cx="704160" cy="703800"/>
           </a:xfrm>
           <a:prstGeom prst="roundRect">
             <a:avLst>
@@ -16465,7 +16465,7 @@
         <p:spPr>
           <a:xfrm rot="2332200">
             <a:off x="6009480" y="-319680"/>
-            <a:ext cx="4855680" cy="7726680"/>
+            <a:ext cx="4855320" cy="7726320"/>
           </a:xfrm>
           <a:prstGeom prst="roundRect">
             <a:avLst>
@@ -16503,9 +16503,9 @@
         <p:grpSpPr>
           <a:xfrm>
             <a:off x="4571640" y="828000"/>
-            <a:ext cx="4468320" cy="3564360"/>
+            <a:ext cx="4467960" cy="3564000"/>
             <a:chOff x="4571640" y="828000"/>
-            <a:chExt cx="4468320" cy="3564360"/>
+            <a:chExt cx="4467960" cy="3564000"/>
           </a:xfrm>
         </p:grpSpPr>
         <p:pic>
@@ -16521,7 +16521,7 @@
           <p:spPr>
             <a:xfrm>
               <a:off x="4571640" y="828000"/>
-              <a:ext cx="4468320" cy="3564360"/>
+              <a:ext cx="4467960" cy="3564000"/>
             </a:xfrm>
             <a:prstGeom prst="rect">
               <a:avLst/>
@@ -16539,8 +16539,8 @@
           </p:nvSpPr>
           <p:spPr>
             <a:xfrm rot="16200000">
-              <a:off x="5962680" y="1158840"/>
-              <a:ext cx="1737360" cy="2771280"/>
+              <a:off x="5962680" y="1159200"/>
+              <a:ext cx="1737000" cy="2770920"/>
             </a:xfrm>
             <a:prstGeom prst="roundRect">
               <a:avLst>
@@ -16607,7 +16607,7 @@
         <p:spPr>
           <a:xfrm>
             <a:off x="5446080" y="1672200"/>
-            <a:ext cx="2770920" cy="1737360"/>
+            <a:ext cx="2770560" cy="1737000"/>
           </a:xfrm>
           <a:prstGeom prst="rect">
             <a:avLst/>
@@ -16659,7 +16659,7 @@
         <p:spPr>
           <a:xfrm>
             <a:off x="586440" y="1246680"/>
-            <a:ext cx="4004280" cy="3600000"/>
+            <a:ext cx="4003920" cy="3599640"/>
           </a:xfrm>
           <a:prstGeom prst="rect">
             <a:avLst/>
@@ -16711,7 +16711,7 @@
         <p:spPr>
           <a:xfrm>
             <a:off x="586440" y="453960"/>
-            <a:ext cx="4764240" cy="855360"/>
+            <a:ext cx="4763880" cy="855000"/>
           </a:xfrm>
           <a:prstGeom prst="rect">
             <a:avLst/>
@@ -16800,7 +16800,7 @@
         <p:spPr>
           <a:xfrm rot="2745600">
             <a:off x="8349840" y="-668160"/>
-            <a:ext cx="1498320" cy="1498320"/>
+            <a:ext cx="1497960" cy="1497960"/>
           </a:xfrm>
           <a:prstGeom prst="roundRect">
             <a:avLst>
@@ -16838,7 +16838,7 @@
         <p:spPr>
           <a:xfrm rot="2745600">
             <a:off x="7634160" y="-322200"/>
-            <a:ext cx="807120" cy="807480"/>
+            <a:ext cx="806760" cy="807120"/>
           </a:xfrm>
           <a:prstGeom prst="roundRect">
             <a:avLst>
@@ -16877,7 +16877,7 @@
         <p:spPr>
           <a:xfrm>
             <a:off x="586440" y="899640"/>
-            <a:ext cx="7931880" cy="1537200"/>
+            <a:ext cx="7931520" cy="1536840"/>
           </a:xfrm>
           <a:prstGeom prst="rect">
             <a:avLst/>
@@ -16929,7 +16929,7 @@
         <p:spPr>
           <a:xfrm>
             <a:off x="608040" y="2545560"/>
-            <a:ext cx="3712320" cy="2255760"/>
+            <a:ext cx="3711960" cy="2255400"/>
           </a:xfrm>
           <a:prstGeom prst="rect">
             <a:avLst/>
@@ -16981,7 +16981,7 @@
         <p:spPr>
           <a:xfrm>
             <a:off x="4806360" y="2545560"/>
-            <a:ext cx="3712320" cy="2255760"/>
+            <a:ext cx="3711960" cy="2255400"/>
           </a:xfrm>
           <a:prstGeom prst="rect">
             <a:avLst/>
@@ -17033,7 +17033,7 @@
         <p:spPr>
           <a:xfrm>
             <a:off x="583200" y="450720"/>
-            <a:ext cx="7198200" cy="512280"/>
+            <a:ext cx="7197840" cy="511920"/>
           </a:xfrm>
           <a:prstGeom prst="rect">
             <a:avLst/>
@@ -17115,7 +17115,7 @@
         <p:spPr>
           <a:xfrm>
             <a:off x="586440" y="1246680"/>
-            <a:ext cx="4004280" cy="3600000"/>
+            <a:ext cx="4003920" cy="3599640"/>
           </a:xfrm>
           <a:prstGeom prst="rect">
             <a:avLst/>
@@ -17167,7 +17167,7 @@
         <p:spPr>
           <a:xfrm>
             <a:off x="559800" y="446040"/>
-            <a:ext cx="4283640" cy="683640"/>
+            <a:ext cx="4283280" cy="683280"/>
           </a:xfrm>
           <a:prstGeom prst="rect">
             <a:avLst/>
@@ -17219,7 +17219,7 @@
         <p:spPr>
           <a:xfrm>
             <a:off x="5097600" y="360"/>
-            <a:ext cx="4379760" cy="5144040"/>
+            <a:ext cx="4379400" cy="5143680"/>
           </a:xfrm>
           <a:prstGeom prst="roundRect">
             <a:avLst>
@@ -17284,8 +17284,8 @@
         </p:nvSpPr>
         <p:spPr>
           <a:xfrm rot="2744400">
-            <a:off x="-281160" y="-25920"/>
-            <a:ext cx="704520" cy="704160"/>
+            <a:off x="-280800" y="-25560"/>
+            <a:ext cx="704160" cy="703800"/>
           </a:xfrm>
           <a:prstGeom prst="roundRect">
             <a:avLst>
@@ -17323,7 +17323,7 @@
         <p:spPr>
           <a:xfrm rot="2625600">
             <a:off x="4861080" y="4146840"/>
-            <a:ext cx="468360" cy="468360"/>
+            <a:ext cx="468000" cy="468000"/>
           </a:xfrm>
           <a:prstGeom prst="roundRect">
             <a:avLst>
@@ -17397,8 +17397,8 @@
         </p:nvSpPr>
         <p:spPr>
           <a:xfrm rot="2744400">
-            <a:off x="-350280" y="4539960"/>
-            <a:ext cx="704520" cy="704160"/>
+            <a:off x="-349920" y="4539960"/>
+            <a:ext cx="704160" cy="703800"/>
           </a:xfrm>
           <a:prstGeom prst="roundRect">
             <a:avLst>
@@ -17435,8 +17435,8 @@
         </p:nvSpPr>
         <p:spPr>
           <a:xfrm rot="19228200">
-            <a:off x="5846400" y="-2266560"/>
-            <a:ext cx="4855320" cy="7726320"/>
+            <a:off x="5846040" y="-2266200"/>
+            <a:ext cx="4854960" cy="7725960"/>
           </a:xfrm>
           <a:prstGeom prst="roundRect">
             <a:avLst>
@@ -17474,9 +17474,9 @@
         <p:grpSpPr>
           <a:xfrm>
             <a:off x="4571640" y="828000"/>
-            <a:ext cx="4468320" cy="3564360"/>
+            <a:ext cx="4467960" cy="3564000"/>
             <a:chOff x="4571640" y="828000"/>
-            <a:chExt cx="4468320" cy="3564360"/>
+            <a:chExt cx="4467960" cy="3564000"/>
           </a:xfrm>
         </p:grpSpPr>
         <p:pic>
@@ -17492,7 +17492,7 @@
           <p:spPr>
             <a:xfrm>
               <a:off x="4571640" y="828000"/>
-              <a:ext cx="4468320" cy="3564360"/>
+              <a:ext cx="4467960" cy="3564000"/>
             </a:xfrm>
             <a:prstGeom prst="rect">
               <a:avLst/>
@@ -17510,8 +17510,8 @@
           </p:nvSpPr>
           <p:spPr>
             <a:xfrm rot="16200000">
-              <a:off x="5962680" y="1158840"/>
-              <a:ext cx="1737360" cy="2771280"/>
+              <a:off x="5962680" y="1159200"/>
+              <a:ext cx="1737000" cy="2770920"/>
             </a:xfrm>
             <a:prstGeom prst="roundRect">
               <a:avLst>
@@ -17578,7 +17578,7 @@
         <p:spPr>
           <a:xfrm>
             <a:off x="586440" y="1246680"/>
-            <a:ext cx="4004280" cy="3600000"/>
+            <a:ext cx="4003920" cy="3599640"/>
           </a:xfrm>
           <a:prstGeom prst="rect">
             <a:avLst/>
@@ -17630,7 +17630,7 @@
         <p:spPr>
           <a:xfrm>
             <a:off x="5446080" y="1672200"/>
-            <a:ext cx="2780280" cy="1737360"/>
+            <a:ext cx="2779920" cy="1737000"/>
           </a:xfrm>
           <a:prstGeom prst="rect">
             <a:avLst/>
@@ -17682,7 +17682,7 @@
         <p:spPr>
           <a:xfrm>
             <a:off x="586440" y="453960"/>
-            <a:ext cx="3696840" cy="855360"/>
+            <a:ext cx="3696480" cy="855000"/>
           </a:xfrm>
           <a:prstGeom prst="rect">
             <a:avLst/>
@@ -17771,7 +17771,7 @@
         <p:spPr>
           <a:xfrm>
             <a:off x="4222080" y="1246680"/>
-            <a:ext cx="4115160" cy="3600000"/>
+            <a:ext cx="4114800" cy="3599640"/>
           </a:xfrm>
           <a:prstGeom prst="rect">
             <a:avLst/>
@@ -17822,8 +17822,8 @@
         </p:nvSpPr>
         <p:spPr>
           <a:xfrm rot="16200000">
-            <a:off x="-2181600" y="1733400"/>
-            <a:ext cx="5144040" cy="1684080"/>
+            <a:off x="-2181600" y="1733760"/>
+            <a:ext cx="5143680" cy="1683720"/>
           </a:xfrm>
           <a:prstGeom prst="roundRect">
             <a:avLst>
@@ -17860,8 +17860,8 @@
         </p:nvSpPr>
         <p:spPr>
           <a:xfrm rot="2745000">
-            <a:off x="8575200" y="103680"/>
-            <a:ext cx="1132560" cy="1132200"/>
+            <a:off x="8575200" y="103320"/>
+            <a:ext cx="1132200" cy="1131840"/>
           </a:xfrm>
           <a:prstGeom prst="roundRect">
             <a:avLst>
@@ -17898,8 +17898,8 @@
         </p:nvSpPr>
         <p:spPr>
           <a:xfrm rot="16200000">
-            <a:off x="614880" y="918720"/>
-            <a:ext cx="3232080" cy="3313800"/>
+            <a:off x="614880" y="919080"/>
+            <a:ext cx="3231720" cy="3313440"/>
           </a:xfrm>
           <a:prstGeom prst="roundRect">
             <a:avLst>
@@ -17965,7 +17965,7 @@
         <p:spPr>
           <a:xfrm>
             <a:off x="4214160" y="456120"/>
-            <a:ext cx="4111920" cy="855360"/>
+            <a:ext cx="4111560" cy="855000"/>
           </a:xfrm>
           <a:prstGeom prst="rect">
             <a:avLst/>
